--- a/design ex..pptx
+++ b/design ex..pptx
@@ -4,8 +4,13 @@
   <p:sldMasterIdLst>
     <p:sldMasterId id="2147483648" r:id="rId1"/>
   </p:sldMasterIdLst>
+  <p:notesMasterIdLst>
+    <p:notesMasterId r:id="rId5"/>
+  </p:notesMasterIdLst>
   <p:sldIdLst>
     <p:sldId id="256" r:id="rId2"/>
+    <p:sldId id="257" r:id="rId3"/>
+    <p:sldId id="258" r:id="rId4"/>
   </p:sldIdLst>
   <p:sldSz cx="12192000" cy="6858000"/>
   <p:notesSz cx="6858000" cy="9144000"/>
@@ -104,7 +109,446 @@
       </a:defRPr>
     </a:lvl9pPr>
   </p:defaultTextStyle>
+  <p:extLst>
+    <p:ext uri="{EFAFB233-063F-42B5-8137-9DF3F51BA10A}">
+      <p15:sldGuideLst xmlns:p15="http://schemas.microsoft.com/office/powerpoint/2012/main"/>
+    </p:ext>
+  </p:extLst>
 </p:presentation>
+</file>
+
+<file path=ppt/notesMasters/notesMaster1.xml><?xml version="1.0" encoding="utf-8"?>
+<p:notesMaster xmlns:a="http://schemas.openxmlformats.org/drawingml/2006/main" xmlns:r="http://schemas.openxmlformats.org/officeDocument/2006/relationships" xmlns:p="http://schemas.openxmlformats.org/presentationml/2006/main">
+  <p:cSld>
+    <p:bg>
+      <p:bgRef idx="1001">
+        <a:schemeClr val="bg1"/>
+      </p:bgRef>
+    </p:bg>
+    <p:spTree>
+      <p:nvGrpSpPr>
+        <p:cNvPr id="1" name=""/>
+        <p:cNvGrpSpPr/>
+        <p:nvPr/>
+      </p:nvGrpSpPr>
+      <p:grpSpPr>
+        <a:xfrm>
+          <a:off x="0" y="0"/>
+          <a:ext cx="0" cy="0"/>
+          <a:chOff x="0" y="0"/>
+          <a:chExt cx="0" cy="0"/>
+        </a:xfrm>
+      </p:grpSpPr>
+      <p:sp>
+        <p:nvSpPr>
+          <p:cNvPr id="2" name="Header Placeholder 1"/>
+          <p:cNvSpPr>
+            <a:spLocks noGrp="1"/>
+          </p:cNvSpPr>
+          <p:nvPr>
+            <p:ph type="hdr" sz="quarter"/>
+          </p:nvPr>
+        </p:nvSpPr>
+        <p:spPr>
+          <a:xfrm>
+            <a:off x="0" y="0"/>
+            <a:ext cx="2971800" cy="458788"/>
+          </a:xfrm>
+          <a:prstGeom prst="rect">
+            <a:avLst/>
+          </a:prstGeom>
+        </p:spPr>
+        <p:txBody>
+          <a:bodyPr vert="horz" lIns="91440" tIns="45720" rIns="91440" bIns="45720" rtlCol="0"/>
+          <a:lstStyle>
+            <a:lvl1pPr algn="l">
+              <a:defRPr sz="1200"/>
+            </a:lvl1pPr>
+          </a:lstStyle>
+          <a:p>
+            <a:endParaRPr lang="en-IN"/>
+          </a:p>
+        </p:txBody>
+      </p:sp>
+      <p:sp>
+        <p:nvSpPr>
+          <p:cNvPr id="3" name="Date Placeholder 2"/>
+          <p:cNvSpPr>
+            <a:spLocks noGrp="1"/>
+          </p:cNvSpPr>
+          <p:nvPr>
+            <p:ph type="dt" idx="1"/>
+          </p:nvPr>
+        </p:nvSpPr>
+        <p:spPr>
+          <a:xfrm>
+            <a:off x="3884613" y="0"/>
+            <a:ext cx="2971800" cy="458788"/>
+          </a:xfrm>
+          <a:prstGeom prst="rect">
+            <a:avLst/>
+          </a:prstGeom>
+        </p:spPr>
+        <p:txBody>
+          <a:bodyPr vert="horz" lIns="91440" tIns="45720" rIns="91440" bIns="45720" rtlCol="0"/>
+          <a:lstStyle>
+            <a:lvl1pPr algn="r">
+              <a:defRPr sz="1200"/>
+            </a:lvl1pPr>
+          </a:lstStyle>
+          <a:p>
+            <a:fld id="{64B69E7C-F0AA-4D71-B4A9-299C9FEFC470}" type="datetimeFigureOut">
+              <a:rPr lang="en-IN" smtClean="0"/>
+              <a:t>14-10-2025</a:t>
+            </a:fld>
+            <a:endParaRPr lang="en-IN"/>
+          </a:p>
+        </p:txBody>
+      </p:sp>
+      <p:sp>
+        <p:nvSpPr>
+          <p:cNvPr id="4" name="Slide Image Placeholder 3"/>
+          <p:cNvSpPr>
+            <a:spLocks noGrp="1" noRot="1" noChangeAspect="1"/>
+          </p:cNvSpPr>
+          <p:nvPr>
+            <p:ph type="sldImg" idx="2"/>
+          </p:nvPr>
+        </p:nvSpPr>
+        <p:spPr>
+          <a:xfrm>
+            <a:off x="685800" y="1143000"/>
+            <a:ext cx="5486400" cy="3086100"/>
+          </a:xfrm>
+          <a:prstGeom prst="rect">
+            <a:avLst/>
+          </a:prstGeom>
+          <a:noFill/>
+          <a:ln w="12700">
+            <a:solidFill>
+              <a:prstClr val="black"/>
+            </a:solidFill>
+          </a:ln>
+        </p:spPr>
+        <p:txBody>
+          <a:bodyPr vert="horz" lIns="91440" tIns="45720" rIns="91440" bIns="45720" rtlCol="0" anchor="ctr"/>
+          <a:lstStyle/>
+          <a:p>
+            <a:endParaRPr lang="en-IN"/>
+          </a:p>
+        </p:txBody>
+      </p:sp>
+      <p:sp>
+        <p:nvSpPr>
+          <p:cNvPr id="5" name="Notes Placeholder 4"/>
+          <p:cNvSpPr>
+            <a:spLocks noGrp="1"/>
+          </p:cNvSpPr>
+          <p:nvPr>
+            <p:ph type="body" sz="quarter" idx="3"/>
+          </p:nvPr>
+        </p:nvSpPr>
+        <p:spPr>
+          <a:xfrm>
+            <a:off x="685800" y="4400550"/>
+            <a:ext cx="5486400" cy="3600450"/>
+          </a:xfrm>
+          <a:prstGeom prst="rect">
+            <a:avLst/>
+          </a:prstGeom>
+        </p:spPr>
+        <p:txBody>
+          <a:bodyPr vert="horz" lIns="91440" tIns="45720" rIns="91440" bIns="45720" rtlCol="0"/>
+          <a:lstStyle/>
+          <a:p>
+            <a:pPr lvl="0"/>
+            <a:r>
+              <a:rPr lang="en-US"/>
+              <a:t>Click to edit Master text styles</a:t>
+            </a:r>
+          </a:p>
+          <a:p>
+            <a:pPr lvl="1"/>
+            <a:r>
+              <a:rPr lang="en-US"/>
+              <a:t>Second level</a:t>
+            </a:r>
+          </a:p>
+          <a:p>
+            <a:pPr lvl="2"/>
+            <a:r>
+              <a:rPr lang="en-US"/>
+              <a:t>Third level</a:t>
+            </a:r>
+          </a:p>
+          <a:p>
+            <a:pPr lvl="3"/>
+            <a:r>
+              <a:rPr lang="en-US"/>
+              <a:t>Fourth level</a:t>
+            </a:r>
+          </a:p>
+          <a:p>
+            <a:pPr lvl="4"/>
+            <a:r>
+              <a:rPr lang="en-US"/>
+              <a:t>Fifth level</a:t>
+            </a:r>
+            <a:endParaRPr lang="en-IN"/>
+          </a:p>
+        </p:txBody>
+      </p:sp>
+      <p:sp>
+        <p:nvSpPr>
+          <p:cNvPr id="6" name="Footer Placeholder 5"/>
+          <p:cNvSpPr>
+            <a:spLocks noGrp="1"/>
+          </p:cNvSpPr>
+          <p:nvPr>
+            <p:ph type="ftr" sz="quarter" idx="4"/>
+          </p:nvPr>
+        </p:nvSpPr>
+        <p:spPr>
+          <a:xfrm>
+            <a:off x="0" y="8685213"/>
+            <a:ext cx="2971800" cy="458787"/>
+          </a:xfrm>
+          <a:prstGeom prst="rect">
+            <a:avLst/>
+          </a:prstGeom>
+        </p:spPr>
+        <p:txBody>
+          <a:bodyPr vert="horz" lIns="91440" tIns="45720" rIns="91440" bIns="45720" rtlCol="0" anchor="b"/>
+          <a:lstStyle>
+            <a:lvl1pPr algn="l">
+              <a:defRPr sz="1200"/>
+            </a:lvl1pPr>
+          </a:lstStyle>
+          <a:p>
+            <a:endParaRPr lang="en-IN"/>
+          </a:p>
+        </p:txBody>
+      </p:sp>
+      <p:sp>
+        <p:nvSpPr>
+          <p:cNvPr id="7" name="Slide Number Placeholder 6"/>
+          <p:cNvSpPr>
+            <a:spLocks noGrp="1"/>
+          </p:cNvSpPr>
+          <p:nvPr>
+            <p:ph type="sldNum" sz="quarter" idx="5"/>
+          </p:nvPr>
+        </p:nvSpPr>
+        <p:spPr>
+          <a:xfrm>
+            <a:off x="3884613" y="8685213"/>
+            <a:ext cx="2971800" cy="458787"/>
+          </a:xfrm>
+          <a:prstGeom prst="rect">
+            <a:avLst/>
+          </a:prstGeom>
+        </p:spPr>
+        <p:txBody>
+          <a:bodyPr vert="horz" lIns="91440" tIns="45720" rIns="91440" bIns="45720" rtlCol="0" anchor="b"/>
+          <a:lstStyle>
+            <a:lvl1pPr algn="r">
+              <a:defRPr sz="1200"/>
+            </a:lvl1pPr>
+          </a:lstStyle>
+          <a:p>
+            <a:fld id="{B8E6B3A8-AD4F-4BFB-94CB-2779B9A13AC9}" type="slidenum">
+              <a:rPr lang="en-IN" smtClean="0"/>
+              <a:t>‹#›</a:t>
+            </a:fld>
+            <a:endParaRPr lang="en-IN"/>
+          </a:p>
+        </p:txBody>
+      </p:sp>
+    </p:spTree>
+    <p:extLst>
+      <p:ext uri="{BB962C8B-B14F-4D97-AF65-F5344CB8AC3E}">
+        <p14:creationId xmlns:p14="http://schemas.microsoft.com/office/powerpoint/2010/main" val="2802768050"/>
+      </p:ext>
+    </p:extLst>
+  </p:cSld>
+  <p:clrMap bg1="lt1" tx1="dk1" bg2="lt2" tx2="dk2" accent1="accent1" accent2="accent2" accent3="accent3" accent4="accent4" accent5="accent5" accent6="accent6" hlink="hlink" folHlink="folHlink"/>
+  <p:notesStyle>
+    <a:lvl1pPr marL="0" algn="l" defTabSz="914400" rtl="0" eaLnBrk="1" latinLnBrk="0" hangingPunct="1">
+      <a:defRPr sz="1200" kern="1200">
+        <a:solidFill>
+          <a:schemeClr val="tx1"/>
+        </a:solidFill>
+        <a:latin typeface="+mn-lt"/>
+        <a:ea typeface="+mn-ea"/>
+        <a:cs typeface="+mn-cs"/>
+      </a:defRPr>
+    </a:lvl1pPr>
+    <a:lvl2pPr marL="457200" algn="l" defTabSz="914400" rtl="0" eaLnBrk="1" latinLnBrk="0" hangingPunct="1">
+      <a:defRPr sz="1200" kern="1200">
+        <a:solidFill>
+          <a:schemeClr val="tx1"/>
+        </a:solidFill>
+        <a:latin typeface="+mn-lt"/>
+        <a:ea typeface="+mn-ea"/>
+        <a:cs typeface="+mn-cs"/>
+      </a:defRPr>
+    </a:lvl2pPr>
+    <a:lvl3pPr marL="914400" algn="l" defTabSz="914400" rtl="0" eaLnBrk="1" latinLnBrk="0" hangingPunct="1">
+      <a:defRPr sz="1200" kern="1200">
+        <a:solidFill>
+          <a:schemeClr val="tx1"/>
+        </a:solidFill>
+        <a:latin typeface="+mn-lt"/>
+        <a:ea typeface="+mn-ea"/>
+        <a:cs typeface="+mn-cs"/>
+      </a:defRPr>
+    </a:lvl3pPr>
+    <a:lvl4pPr marL="1371600" algn="l" defTabSz="914400" rtl="0" eaLnBrk="1" latinLnBrk="0" hangingPunct="1">
+      <a:defRPr sz="1200" kern="1200">
+        <a:solidFill>
+          <a:schemeClr val="tx1"/>
+        </a:solidFill>
+        <a:latin typeface="+mn-lt"/>
+        <a:ea typeface="+mn-ea"/>
+        <a:cs typeface="+mn-cs"/>
+      </a:defRPr>
+    </a:lvl4pPr>
+    <a:lvl5pPr marL="1828800" algn="l" defTabSz="914400" rtl="0" eaLnBrk="1" latinLnBrk="0" hangingPunct="1">
+      <a:defRPr sz="1200" kern="1200">
+        <a:solidFill>
+          <a:schemeClr val="tx1"/>
+        </a:solidFill>
+        <a:latin typeface="+mn-lt"/>
+        <a:ea typeface="+mn-ea"/>
+        <a:cs typeface="+mn-cs"/>
+      </a:defRPr>
+    </a:lvl5pPr>
+    <a:lvl6pPr marL="2286000" algn="l" defTabSz="914400" rtl="0" eaLnBrk="1" latinLnBrk="0" hangingPunct="1">
+      <a:defRPr sz="1200" kern="1200">
+        <a:solidFill>
+          <a:schemeClr val="tx1"/>
+        </a:solidFill>
+        <a:latin typeface="+mn-lt"/>
+        <a:ea typeface="+mn-ea"/>
+        <a:cs typeface="+mn-cs"/>
+      </a:defRPr>
+    </a:lvl6pPr>
+    <a:lvl7pPr marL="2743200" algn="l" defTabSz="914400" rtl="0" eaLnBrk="1" latinLnBrk="0" hangingPunct="1">
+      <a:defRPr sz="1200" kern="1200">
+        <a:solidFill>
+          <a:schemeClr val="tx1"/>
+        </a:solidFill>
+        <a:latin typeface="+mn-lt"/>
+        <a:ea typeface="+mn-ea"/>
+        <a:cs typeface="+mn-cs"/>
+      </a:defRPr>
+    </a:lvl7pPr>
+    <a:lvl8pPr marL="3200400" algn="l" defTabSz="914400" rtl="0" eaLnBrk="1" latinLnBrk="0" hangingPunct="1">
+      <a:defRPr sz="1200" kern="1200">
+        <a:solidFill>
+          <a:schemeClr val="tx1"/>
+        </a:solidFill>
+        <a:latin typeface="+mn-lt"/>
+        <a:ea typeface="+mn-ea"/>
+        <a:cs typeface="+mn-cs"/>
+      </a:defRPr>
+    </a:lvl8pPr>
+    <a:lvl9pPr marL="3657600" algn="l" defTabSz="914400" rtl="0" eaLnBrk="1" latinLnBrk="0" hangingPunct="1">
+      <a:defRPr sz="1200" kern="1200">
+        <a:solidFill>
+          <a:schemeClr val="tx1"/>
+        </a:solidFill>
+        <a:latin typeface="+mn-lt"/>
+        <a:ea typeface="+mn-ea"/>
+        <a:cs typeface="+mn-cs"/>
+      </a:defRPr>
+    </a:lvl9pPr>
+  </p:notesStyle>
+</p:notesMaster>
+</file>
+
+<file path=ppt/notesSlides/notesSlide1.xml><?xml version="1.0" encoding="utf-8"?>
+<p:notes xmlns:a="http://schemas.openxmlformats.org/drawingml/2006/main" xmlns:r="http://schemas.openxmlformats.org/officeDocument/2006/relationships" xmlns:p="http://schemas.openxmlformats.org/presentationml/2006/main">
+  <p:cSld>
+    <p:spTree>
+      <p:nvGrpSpPr>
+        <p:cNvPr id="1" name=""/>
+        <p:cNvGrpSpPr/>
+        <p:nvPr/>
+      </p:nvGrpSpPr>
+      <p:grpSpPr>
+        <a:xfrm>
+          <a:off x="0" y="0"/>
+          <a:ext cx="0" cy="0"/>
+          <a:chOff x="0" y="0"/>
+          <a:chExt cx="0" cy="0"/>
+        </a:xfrm>
+      </p:grpSpPr>
+      <p:sp>
+        <p:nvSpPr>
+          <p:cNvPr id="2" name="Slide Image Placeholder 1"/>
+          <p:cNvSpPr>
+            <a:spLocks noGrp="1" noRot="1" noChangeAspect="1"/>
+          </p:cNvSpPr>
+          <p:nvPr>
+            <p:ph type="sldImg"/>
+          </p:nvPr>
+        </p:nvSpPr>
+        <p:spPr/>
+      </p:sp>
+      <p:sp>
+        <p:nvSpPr>
+          <p:cNvPr id="3" name="Notes Placeholder 2"/>
+          <p:cNvSpPr>
+            <a:spLocks noGrp="1"/>
+          </p:cNvSpPr>
+          <p:nvPr>
+            <p:ph type="body" idx="1"/>
+          </p:nvPr>
+        </p:nvSpPr>
+        <p:spPr/>
+        <p:txBody>
+          <a:bodyPr/>
+          <a:lstStyle/>
+          <a:p>
+            <a:endParaRPr lang="en-IN" dirty="0"/>
+          </a:p>
+        </p:txBody>
+      </p:sp>
+      <p:sp>
+        <p:nvSpPr>
+          <p:cNvPr id="4" name="Slide Number Placeholder 3"/>
+          <p:cNvSpPr>
+            <a:spLocks noGrp="1"/>
+          </p:cNvSpPr>
+          <p:nvPr>
+            <p:ph type="sldNum" sz="quarter" idx="5"/>
+          </p:nvPr>
+        </p:nvSpPr>
+        <p:spPr/>
+        <p:txBody>
+          <a:bodyPr/>
+          <a:lstStyle/>
+          <a:p>
+            <a:fld id="{B8E6B3A8-AD4F-4BFB-94CB-2779B9A13AC9}" type="slidenum">
+              <a:rPr lang="en-IN" smtClean="0"/>
+              <a:t>1</a:t>
+            </a:fld>
+            <a:endParaRPr lang="en-IN"/>
+          </a:p>
+        </p:txBody>
+      </p:sp>
+    </p:spTree>
+    <p:extLst>
+      <p:ext uri="{BB962C8B-B14F-4D97-AF65-F5344CB8AC3E}">
+        <p14:creationId xmlns:p14="http://schemas.microsoft.com/office/powerpoint/2010/main" val="1719562920"/>
+      </p:ext>
+    </p:extLst>
+  </p:cSld>
+  <p:clrMapOvr>
+    <a:masterClrMapping/>
+  </p:clrMapOvr>
+</p:notes>
 </file>
 
 <file path=ppt/slideLayouts/slideLayout1.xml><?xml version="1.0" encoding="utf-8"?>
@@ -256,7 +700,7 @@
           <a:p>
             <a:fld id="{C21CC959-5C50-46C4-8019-6673AAF2576F}" type="datetimeFigureOut">
               <a:rPr lang="en-IN" smtClean="0"/>
-              <a:t>13-10-2025</a:t>
+              <a:t>14-10-2025</a:t>
             </a:fld>
             <a:endParaRPr lang="en-IN"/>
           </a:p>
@@ -456,7 +900,7 @@
           <a:p>
             <a:fld id="{C21CC959-5C50-46C4-8019-6673AAF2576F}" type="datetimeFigureOut">
               <a:rPr lang="en-IN" smtClean="0"/>
-              <a:t>13-10-2025</a:t>
+              <a:t>14-10-2025</a:t>
             </a:fld>
             <a:endParaRPr lang="en-IN"/>
           </a:p>
@@ -666,7 +1110,7 @@
           <a:p>
             <a:fld id="{C21CC959-5C50-46C4-8019-6673AAF2576F}" type="datetimeFigureOut">
               <a:rPr lang="en-IN" smtClean="0"/>
-              <a:t>13-10-2025</a:t>
+              <a:t>14-10-2025</a:t>
             </a:fld>
             <a:endParaRPr lang="en-IN"/>
           </a:p>
@@ -866,7 +1310,7 @@
           <a:p>
             <a:fld id="{C21CC959-5C50-46C4-8019-6673AAF2576F}" type="datetimeFigureOut">
               <a:rPr lang="en-IN" smtClean="0"/>
-              <a:t>13-10-2025</a:t>
+              <a:t>14-10-2025</a:t>
             </a:fld>
             <a:endParaRPr lang="en-IN"/>
           </a:p>
@@ -1142,7 +1586,7 @@
           <a:p>
             <a:fld id="{C21CC959-5C50-46C4-8019-6673AAF2576F}" type="datetimeFigureOut">
               <a:rPr lang="en-IN" smtClean="0"/>
-              <a:t>13-10-2025</a:t>
+              <a:t>14-10-2025</a:t>
             </a:fld>
             <a:endParaRPr lang="en-IN"/>
           </a:p>
@@ -1410,7 +1854,7 @@
           <a:p>
             <a:fld id="{C21CC959-5C50-46C4-8019-6673AAF2576F}" type="datetimeFigureOut">
               <a:rPr lang="en-IN" smtClean="0"/>
-              <a:t>13-10-2025</a:t>
+              <a:t>14-10-2025</a:t>
             </a:fld>
             <a:endParaRPr lang="en-IN"/>
           </a:p>
@@ -1825,7 +2269,7 @@
           <a:p>
             <a:fld id="{C21CC959-5C50-46C4-8019-6673AAF2576F}" type="datetimeFigureOut">
               <a:rPr lang="en-IN" smtClean="0"/>
-              <a:t>13-10-2025</a:t>
+              <a:t>14-10-2025</a:t>
             </a:fld>
             <a:endParaRPr lang="en-IN"/>
           </a:p>
@@ -1967,7 +2411,7 @@
           <a:p>
             <a:fld id="{C21CC959-5C50-46C4-8019-6673AAF2576F}" type="datetimeFigureOut">
               <a:rPr lang="en-IN" smtClean="0"/>
-              <a:t>13-10-2025</a:t>
+              <a:t>14-10-2025</a:t>
             </a:fld>
             <a:endParaRPr lang="en-IN"/>
           </a:p>
@@ -2080,7 +2524,7 @@
           <a:p>
             <a:fld id="{C21CC959-5C50-46C4-8019-6673AAF2576F}" type="datetimeFigureOut">
               <a:rPr lang="en-IN" smtClean="0"/>
-              <a:t>13-10-2025</a:t>
+              <a:t>14-10-2025</a:t>
             </a:fld>
             <a:endParaRPr lang="en-IN"/>
           </a:p>
@@ -2393,7 +2837,7 @@
           <a:p>
             <a:fld id="{C21CC959-5C50-46C4-8019-6673AAF2576F}" type="datetimeFigureOut">
               <a:rPr lang="en-IN" smtClean="0"/>
-              <a:t>13-10-2025</a:t>
+              <a:t>14-10-2025</a:t>
             </a:fld>
             <a:endParaRPr lang="en-IN"/>
           </a:p>
@@ -2682,7 +3126,7 @@
           <a:p>
             <a:fld id="{C21CC959-5C50-46C4-8019-6673AAF2576F}" type="datetimeFigureOut">
               <a:rPr lang="en-IN" smtClean="0"/>
-              <a:t>13-10-2025</a:t>
+              <a:t>14-10-2025</a:t>
             </a:fld>
             <a:endParaRPr lang="en-IN"/>
           </a:p>
@@ -2925,7 +3369,7 @@
           <a:p>
             <a:fld id="{C21CC959-5C50-46C4-8019-6673AAF2576F}" type="datetimeFigureOut">
               <a:rPr lang="en-IN" smtClean="0"/>
-              <a:t>13-10-2025</a:t>
+              <a:t>14-10-2025</a:t>
             </a:fld>
             <a:endParaRPr lang="en-IN"/>
           </a:p>
@@ -3357,7 +3801,7 @@
           <p:nvPr/>
         </p:nvPicPr>
         <p:blipFill>
-          <a:blip r:embed="rId2">
+          <a:blip r:embed="rId3">
             <a:extLst>
               <a:ext uri="{28A0092B-C50C-407E-A947-70E740481C1C}">
                 <a14:useLocalDpi xmlns:a14="http://schemas.microsoft.com/office/drawing/2010/main" val="0"/>
@@ -3380,10 +3824,10 @@
       </p:pic>
       <p:sp>
         <p:nvSpPr>
-          <p:cNvPr id="5" name="Rectangle: Rounded Corners 4">
-            <a:extLst>
-              <a:ext uri="{FF2B5EF4-FFF2-40B4-BE49-F238E27FC236}">
-                <a16:creationId xmlns:a16="http://schemas.microsoft.com/office/drawing/2014/main" id="{684094D0-FBDC-51F5-BEB8-230094394358}"/>
+          <p:cNvPr id="6" name="Rectangle: Rounded Corners 5">
+            <a:extLst>
+              <a:ext uri="{FF2B5EF4-FFF2-40B4-BE49-F238E27FC236}">
+                <a16:creationId xmlns:a16="http://schemas.microsoft.com/office/drawing/2014/main" id="{551D0D74-A6F3-35CD-EB66-4CD3540DB974}"/>
               </a:ext>
             </a:extLst>
           </p:cNvPr>
@@ -3392,8 +3836,393 @@
         </p:nvSpPr>
         <p:spPr>
           <a:xfrm>
-            <a:off x="4424516" y="1032387"/>
-            <a:ext cx="7384026" cy="678426"/>
+            <a:off x="4139380" y="3094703"/>
+            <a:ext cx="1194619" cy="427703"/>
+          </a:xfrm>
+          <a:prstGeom prst="roundRect">
+            <a:avLst/>
+          </a:prstGeom>
+          <a:noFill/>
+          <a:ln>
+            <a:solidFill>
+              <a:schemeClr val="bg1">
+                <a:lumMod val="50000"/>
+              </a:schemeClr>
+            </a:solidFill>
+          </a:ln>
+        </p:spPr>
+        <p:style>
+          <a:lnRef idx="2">
+            <a:schemeClr val="accent1">
+              <a:shade val="15000"/>
+            </a:schemeClr>
+          </a:lnRef>
+          <a:fillRef idx="1">
+            <a:schemeClr val="accent1"/>
+          </a:fillRef>
+          <a:effectRef idx="0">
+            <a:schemeClr val="accent1"/>
+          </a:effectRef>
+          <a:fontRef idx="minor">
+            <a:schemeClr val="lt1"/>
+          </a:fontRef>
+        </p:style>
+        <p:txBody>
+          <a:bodyPr rtlCol="0" anchor="ctr"/>
+          <a:lstStyle/>
+          <a:p>
+            <a:pPr algn="ctr"/>
+            <a:r>
+              <a:rPr lang="en-US" dirty="0">
+                <a:solidFill>
+                  <a:srgbClr val="FF0000"/>
+                </a:solidFill>
+              </a:rPr>
+              <a:t>…login</a:t>
+            </a:r>
+            <a:endParaRPr lang="en-IN" dirty="0">
+              <a:solidFill>
+                <a:srgbClr val="FF0000"/>
+              </a:solidFill>
+            </a:endParaRPr>
+          </a:p>
+        </p:txBody>
+      </p:sp>
+      <p:sp>
+        <p:nvSpPr>
+          <p:cNvPr id="2" name="Rectangle: Rounded Corners 1">
+            <a:extLst>
+              <a:ext uri="{FF2B5EF4-FFF2-40B4-BE49-F238E27FC236}">
+                <a16:creationId xmlns:a16="http://schemas.microsoft.com/office/drawing/2014/main" id="{0BC64D85-2ECC-72E1-379C-8C37DAE66FF8}"/>
+              </a:ext>
+            </a:extLst>
+          </p:cNvPr>
+          <p:cNvSpPr/>
+          <p:nvPr/>
+        </p:nvSpPr>
+        <p:spPr>
+          <a:xfrm>
+            <a:off x="6351638" y="3094702"/>
+            <a:ext cx="1194619" cy="427703"/>
+          </a:xfrm>
+          <a:prstGeom prst="roundRect">
+            <a:avLst/>
+          </a:prstGeom>
+          <a:noFill/>
+          <a:ln>
+            <a:solidFill>
+              <a:schemeClr val="bg1">
+                <a:lumMod val="50000"/>
+              </a:schemeClr>
+            </a:solidFill>
+          </a:ln>
+        </p:spPr>
+        <p:style>
+          <a:lnRef idx="2">
+            <a:schemeClr val="accent1">
+              <a:shade val="15000"/>
+            </a:schemeClr>
+          </a:lnRef>
+          <a:fillRef idx="1">
+            <a:schemeClr val="accent1"/>
+          </a:fillRef>
+          <a:effectRef idx="0">
+            <a:schemeClr val="accent1"/>
+          </a:effectRef>
+          <a:fontRef idx="minor">
+            <a:schemeClr val="lt1"/>
+          </a:fontRef>
+        </p:style>
+        <p:txBody>
+          <a:bodyPr rtlCol="0" anchor="ctr"/>
+          <a:lstStyle/>
+          <a:p>
+            <a:pPr algn="ctr"/>
+            <a:r>
+              <a:rPr lang="en-US" dirty="0">
+                <a:solidFill>
+                  <a:srgbClr val="FF0000"/>
+                </a:solidFill>
+              </a:rPr>
+              <a:t>…relax</a:t>
+            </a:r>
+            <a:endParaRPr lang="en-IN" dirty="0">
+              <a:solidFill>
+                <a:srgbClr val="FF0000"/>
+              </a:solidFill>
+            </a:endParaRPr>
+          </a:p>
+        </p:txBody>
+      </p:sp>
+      <p:sp>
+        <p:nvSpPr>
+          <p:cNvPr id="3" name="Rectangle: Rounded Corners 2">
+            <a:extLst>
+              <a:ext uri="{FF2B5EF4-FFF2-40B4-BE49-F238E27FC236}">
+                <a16:creationId xmlns:a16="http://schemas.microsoft.com/office/drawing/2014/main" id="{52F7F92C-4DFD-1428-D4BE-04661F47DC5E}"/>
+              </a:ext>
+            </a:extLst>
+          </p:cNvPr>
+          <p:cNvSpPr/>
+          <p:nvPr/>
+        </p:nvSpPr>
+        <p:spPr>
+          <a:xfrm>
+            <a:off x="8563897" y="3094702"/>
+            <a:ext cx="1194619" cy="427703"/>
+          </a:xfrm>
+          <a:prstGeom prst="roundRect">
+            <a:avLst/>
+          </a:prstGeom>
+          <a:noFill/>
+          <a:ln>
+            <a:solidFill>
+              <a:schemeClr val="bg1">
+                <a:lumMod val="50000"/>
+              </a:schemeClr>
+            </a:solidFill>
+          </a:ln>
+        </p:spPr>
+        <p:style>
+          <a:lnRef idx="2">
+            <a:schemeClr val="accent1">
+              <a:shade val="15000"/>
+            </a:schemeClr>
+          </a:lnRef>
+          <a:fillRef idx="1">
+            <a:schemeClr val="accent1"/>
+          </a:fillRef>
+          <a:effectRef idx="0">
+            <a:schemeClr val="accent1"/>
+          </a:effectRef>
+          <a:fontRef idx="minor">
+            <a:schemeClr val="lt1"/>
+          </a:fontRef>
+        </p:style>
+        <p:txBody>
+          <a:bodyPr rtlCol="0" anchor="ctr"/>
+          <a:lstStyle/>
+          <a:p>
+            <a:pPr algn="ctr"/>
+            <a:r>
+              <a:rPr lang="en-US" dirty="0">
+                <a:solidFill>
+                  <a:srgbClr val="FF0000"/>
+                </a:solidFill>
+              </a:rPr>
+              <a:t>…news</a:t>
+            </a:r>
+            <a:endParaRPr lang="en-IN" dirty="0">
+              <a:solidFill>
+                <a:srgbClr val="FF0000"/>
+              </a:solidFill>
+            </a:endParaRPr>
+          </a:p>
+        </p:txBody>
+      </p:sp>
+      <p:pic>
+        <p:nvPicPr>
+          <p:cNvPr id="8" name="Picture 7" descr="A drawing of a sweater&#10;&#10;AI-generated content may be incorrect.">
+            <a:extLst>
+              <a:ext uri="{FF2B5EF4-FFF2-40B4-BE49-F238E27FC236}">
+                <a16:creationId xmlns:a16="http://schemas.microsoft.com/office/drawing/2014/main" id="{7FCF0EF4-18CE-0A0E-1C9F-5C36FA745C0C}"/>
+              </a:ext>
+            </a:extLst>
+          </p:cNvPr>
+          <p:cNvPicPr>
+            <a:picLocks noChangeAspect="1"/>
+          </p:cNvPicPr>
+          <p:nvPr/>
+        </p:nvPicPr>
+        <p:blipFill>
+          <a:blip r:embed="rId4">
+            <a:alphaModFix amt="20000"/>
+            <a:extLst>
+              <a:ext uri="{28A0092B-C50C-407E-A947-70E740481C1C}">
+                <a14:useLocalDpi xmlns:a14="http://schemas.microsoft.com/office/drawing/2010/main" val="0"/>
+              </a:ext>
+            </a:extLst>
+          </a:blip>
+          <a:stretch>
+            <a:fillRect/>
+          </a:stretch>
+        </p:blipFill>
+        <p:spPr>
+          <a:xfrm rot="1383817">
+            <a:off x="2560803" y="1370164"/>
+            <a:ext cx="5010316" cy="4694029"/>
+          </a:xfrm>
+          <a:prstGeom prst="rect">
+            <a:avLst/>
+          </a:prstGeom>
+        </p:spPr>
+      </p:pic>
+      <p:sp>
+        <p:nvSpPr>
+          <p:cNvPr id="11" name="Rectangle: Rounded Corners 10">
+            <a:extLst>
+              <a:ext uri="{FF2B5EF4-FFF2-40B4-BE49-F238E27FC236}">
+                <a16:creationId xmlns:a16="http://schemas.microsoft.com/office/drawing/2014/main" id="{8C10AF12-407E-9975-E1EB-7DBE4980B599}"/>
+              </a:ext>
+            </a:extLst>
+          </p:cNvPr>
+          <p:cNvSpPr/>
+          <p:nvPr/>
+        </p:nvSpPr>
+        <p:spPr>
+          <a:xfrm>
+            <a:off x="1745225" y="3094702"/>
+            <a:ext cx="1194619" cy="427703"/>
+          </a:xfrm>
+          <a:prstGeom prst="roundRect">
+            <a:avLst/>
+          </a:prstGeom>
+          <a:noFill/>
+          <a:ln>
+            <a:solidFill>
+              <a:schemeClr val="bg1">
+                <a:lumMod val="50000"/>
+              </a:schemeClr>
+            </a:solidFill>
+          </a:ln>
+        </p:spPr>
+        <p:style>
+          <a:lnRef idx="2">
+            <a:schemeClr val="accent1">
+              <a:shade val="15000"/>
+            </a:schemeClr>
+          </a:lnRef>
+          <a:fillRef idx="1">
+            <a:schemeClr val="accent1"/>
+          </a:fillRef>
+          <a:effectRef idx="0">
+            <a:schemeClr val="accent1"/>
+          </a:effectRef>
+          <a:fontRef idx="minor">
+            <a:schemeClr val="lt1"/>
+          </a:fontRef>
+        </p:style>
+        <p:txBody>
+          <a:bodyPr rtlCol="0" anchor="ctr"/>
+          <a:lstStyle/>
+          <a:p>
+            <a:pPr algn="ctr"/>
+            <a:r>
+              <a:rPr lang="en-US" dirty="0">
+                <a:solidFill>
+                  <a:srgbClr val="FF0000"/>
+                </a:solidFill>
+              </a:rPr>
+              <a:t>…admin</a:t>
+            </a:r>
+            <a:endParaRPr lang="en-IN" dirty="0">
+              <a:solidFill>
+                <a:srgbClr val="FF0000"/>
+              </a:solidFill>
+            </a:endParaRPr>
+          </a:p>
+        </p:txBody>
+      </p:sp>
+    </p:spTree>
+    <p:extLst>
+      <p:ext uri="{BB962C8B-B14F-4D97-AF65-F5344CB8AC3E}">
+        <p14:creationId xmlns:p14="http://schemas.microsoft.com/office/powerpoint/2010/main" val="2243756790"/>
+      </p:ext>
+    </p:extLst>
+  </p:cSld>
+  <p:clrMapOvr>
+    <a:masterClrMapping/>
+  </p:clrMapOvr>
+</p:sld>
+</file>
+
+<file path=ppt/slides/slide2.xml><?xml version="1.0" encoding="utf-8"?>
+<p:sld xmlns:a="http://schemas.openxmlformats.org/drawingml/2006/main" xmlns:r="http://schemas.openxmlformats.org/officeDocument/2006/relationships" xmlns:p="http://schemas.openxmlformats.org/presentationml/2006/main">
+  <p:cSld>
+    <p:spTree>
+      <p:nvGrpSpPr>
+        <p:cNvPr id="1" name=""/>
+        <p:cNvGrpSpPr/>
+        <p:nvPr/>
+      </p:nvGrpSpPr>
+      <p:grpSpPr>
+        <a:xfrm>
+          <a:off x="0" y="0"/>
+          <a:ext cx="0" cy="0"/>
+          <a:chOff x="0" y="0"/>
+          <a:chExt cx="0" cy="0"/>
+        </a:xfrm>
+      </p:grpSpPr>
+      <p:sp>
+        <p:nvSpPr>
+          <p:cNvPr id="2" name="Rectangle: Rounded Corners 1">
+            <a:extLst>
+              <a:ext uri="{FF2B5EF4-FFF2-40B4-BE49-F238E27FC236}">
+                <a16:creationId xmlns:a16="http://schemas.microsoft.com/office/drawing/2014/main" id="{AFEA7433-9946-AB57-06D8-0AB05105A7CA}"/>
+              </a:ext>
+            </a:extLst>
+          </p:cNvPr>
+          <p:cNvSpPr/>
+          <p:nvPr/>
+        </p:nvSpPr>
+        <p:spPr>
+          <a:xfrm>
+            <a:off x="2320413" y="1656734"/>
+            <a:ext cx="6449961" cy="4208208"/>
+          </a:xfrm>
+          <a:prstGeom prst="roundRect">
+            <a:avLst/>
+          </a:prstGeom>
+          <a:noFill/>
+          <a:ln>
+            <a:solidFill>
+              <a:schemeClr val="bg1">
+                <a:lumMod val="85000"/>
+              </a:schemeClr>
+            </a:solidFill>
+          </a:ln>
+        </p:spPr>
+        <p:style>
+          <a:lnRef idx="2">
+            <a:schemeClr val="accent1">
+              <a:shade val="15000"/>
+            </a:schemeClr>
+          </a:lnRef>
+          <a:fillRef idx="1">
+            <a:schemeClr val="accent1"/>
+          </a:fillRef>
+          <a:effectRef idx="0">
+            <a:schemeClr val="accent1"/>
+          </a:effectRef>
+          <a:fontRef idx="minor">
+            <a:schemeClr val="lt1"/>
+          </a:fontRef>
+        </p:style>
+        <p:txBody>
+          <a:bodyPr rtlCol="0" anchor="ctr"/>
+          <a:lstStyle/>
+          <a:p>
+            <a:pPr algn="ctr"/>
+            <a:endParaRPr lang="en-IN"/>
+          </a:p>
+        </p:txBody>
+      </p:sp>
+      <p:sp>
+        <p:nvSpPr>
+          <p:cNvPr id="6" name="Rectangle: Rounded Corners 5">
+            <a:extLst>
+              <a:ext uri="{FF2B5EF4-FFF2-40B4-BE49-F238E27FC236}">
+                <a16:creationId xmlns:a16="http://schemas.microsoft.com/office/drawing/2014/main" id="{C7C0CD9F-BDD2-A7F7-F0A8-80312E0FB0D9}"/>
+              </a:ext>
+            </a:extLst>
+          </p:cNvPr>
+          <p:cNvSpPr/>
+          <p:nvPr/>
+        </p:nvSpPr>
+        <p:spPr>
+          <a:xfrm>
+            <a:off x="3465866" y="2399683"/>
+            <a:ext cx="3996813" cy="594853"/>
           </a:xfrm>
           <a:prstGeom prst="roundRect">
             <a:avLst/>
@@ -3427,17 +4256,109 @@
           <a:bodyPr rtlCol="0" anchor="ctr"/>
           <a:lstStyle/>
           <a:p>
-            <a:pPr algn="ctr"/>
-            <a:endParaRPr lang="en-IN"/>
-          </a:p>
-        </p:txBody>
-      </p:sp>
-      <p:sp>
-        <p:nvSpPr>
-          <p:cNvPr id="6" name="Rectangle: Rounded Corners 5">
-            <a:extLst>
-              <a:ext uri="{FF2B5EF4-FFF2-40B4-BE49-F238E27FC236}">
-                <a16:creationId xmlns:a16="http://schemas.microsoft.com/office/drawing/2014/main" id="{551D0D74-A6F3-35CD-EB66-4CD3540DB974}"/>
+            <a:r>
+              <a:rPr lang="en-US" dirty="0">
+                <a:solidFill>
+                  <a:schemeClr val="bg1">
+                    <a:lumMod val="65000"/>
+                  </a:schemeClr>
+                </a:solidFill>
+              </a:rPr>
+              <a:t>username</a:t>
+            </a:r>
+            <a:endParaRPr lang="en-IN" dirty="0">
+              <a:solidFill>
+                <a:schemeClr val="bg1">
+                  <a:lumMod val="65000"/>
+                </a:schemeClr>
+              </a:solidFill>
+            </a:endParaRPr>
+          </a:p>
+        </p:txBody>
+      </p:sp>
+      <p:sp>
+        <p:nvSpPr>
+          <p:cNvPr id="9" name="TextBox 8">
+            <a:extLst>
+              <a:ext uri="{FF2B5EF4-FFF2-40B4-BE49-F238E27FC236}">
+                <a16:creationId xmlns:a16="http://schemas.microsoft.com/office/drawing/2014/main" id="{F0FC59F0-5EFD-65EE-6BAF-EC7F8213A47F}"/>
+              </a:ext>
+            </a:extLst>
+          </p:cNvPr>
+          <p:cNvSpPr txBox="1"/>
+          <p:nvPr/>
+        </p:nvSpPr>
+        <p:spPr>
+          <a:xfrm>
+            <a:off x="4467462" y="5317097"/>
+            <a:ext cx="1993623" cy="369332"/>
+          </a:xfrm>
+          <a:prstGeom prst="rect">
+            <a:avLst/>
+          </a:prstGeom>
+          <a:noFill/>
+        </p:spPr>
+        <p:txBody>
+          <a:bodyPr wrap="none" rtlCol="0">
+            <a:spAutoFit/>
+          </a:bodyPr>
+          <a:lstStyle/>
+          <a:p>
+            <a:r>
+              <a:rPr lang="en-US" dirty="0"/>
+              <a:t>Forgot password ?</a:t>
+            </a:r>
+            <a:endParaRPr lang="en-IN" dirty="0"/>
+          </a:p>
+        </p:txBody>
+      </p:sp>
+      <p:cxnSp>
+        <p:nvCxnSpPr>
+          <p:cNvPr id="13" name="Straight Connector 12">
+            <a:extLst>
+              <a:ext uri="{FF2B5EF4-FFF2-40B4-BE49-F238E27FC236}">
+                <a16:creationId xmlns:a16="http://schemas.microsoft.com/office/drawing/2014/main" id="{87071FF4-AEC5-219B-50F6-4CAAB69938F7}"/>
+              </a:ext>
+            </a:extLst>
+          </p:cNvPr>
+          <p:cNvCxnSpPr/>
+          <p:nvPr/>
+        </p:nvCxnSpPr>
+        <p:spPr>
+          <a:xfrm>
+            <a:off x="3465869" y="2900516"/>
+            <a:ext cx="3996813" cy="0"/>
+          </a:xfrm>
+          <a:prstGeom prst="line">
+            <a:avLst/>
+          </a:prstGeom>
+          <a:ln>
+            <a:solidFill>
+              <a:srgbClr val="00C5AA"/>
+            </a:solidFill>
+          </a:ln>
+        </p:spPr>
+        <p:style>
+          <a:lnRef idx="2">
+            <a:schemeClr val="accent1"/>
+          </a:lnRef>
+          <a:fillRef idx="0">
+            <a:schemeClr val="accent1"/>
+          </a:fillRef>
+          <a:effectRef idx="1">
+            <a:schemeClr val="accent1"/>
+          </a:effectRef>
+          <a:fontRef idx="minor">
+            <a:schemeClr val="tx1"/>
+          </a:fontRef>
+        </p:style>
+      </p:cxnSp>
+      <p:sp>
+        <p:nvSpPr>
+          <p:cNvPr id="14" name="Rectangle: Rounded Corners 13">
+            <a:extLst>
+              <a:ext uri="{FF2B5EF4-FFF2-40B4-BE49-F238E27FC236}">
+                <a16:creationId xmlns:a16="http://schemas.microsoft.com/office/drawing/2014/main" id="{6A48E1D8-91A7-E684-31E3-23C73C3D298B}"/>
               </a:ext>
             </a:extLst>
           </p:cNvPr>
@@ -3446,8 +4367,119 @@
         </p:nvSpPr>
         <p:spPr>
           <a:xfrm>
-            <a:off x="4680154" y="1157748"/>
-            <a:ext cx="1194619" cy="427703"/>
+            <a:off x="4467462" y="4414684"/>
+            <a:ext cx="2218473" cy="501445"/>
+          </a:xfrm>
+          <a:prstGeom prst="roundRect">
+            <a:avLst/>
+          </a:prstGeom>
+          <a:noFill/>
+          <a:ln>
+            <a:solidFill>
+              <a:schemeClr val="bg1">
+                <a:lumMod val="75000"/>
+              </a:schemeClr>
+            </a:solidFill>
+          </a:ln>
+        </p:spPr>
+        <p:style>
+          <a:lnRef idx="2">
+            <a:schemeClr val="accent1">
+              <a:shade val="15000"/>
+            </a:schemeClr>
+          </a:lnRef>
+          <a:fillRef idx="1">
+            <a:schemeClr val="accent1"/>
+          </a:fillRef>
+          <a:effectRef idx="0">
+            <a:schemeClr val="accent1"/>
+          </a:effectRef>
+          <a:fontRef idx="minor">
+            <a:schemeClr val="lt1"/>
+          </a:fontRef>
+        </p:style>
+        <p:txBody>
+          <a:bodyPr rtlCol="0" anchor="ctr"/>
+          <a:lstStyle/>
+          <a:p>
+            <a:pPr algn="ctr"/>
+            <a:r>
+              <a:rPr lang="en-US" dirty="0">
+                <a:solidFill>
+                  <a:schemeClr val="bg1">
+                    <a:lumMod val="50000"/>
+                  </a:schemeClr>
+                </a:solidFill>
+              </a:rPr>
+              <a:t>login</a:t>
+            </a:r>
+            <a:endParaRPr lang="en-IN" dirty="0">
+              <a:solidFill>
+                <a:schemeClr val="bg1">
+                  <a:lumMod val="50000"/>
+                </a:schemeClr>
+              </a:solidFill>
+            </a:endParaRPr>
+          </a:p>
+        </p:txBody>
+      </p:sp>
+      <p:cxnSp>
+        <p:nvCxnSpPr>
+          <p:cNvPr id="15" name="Straight Connector 14">
+            <a:extLst>
+              <a:ext uri="{FF2B5EF4-FFF2-40B4-BE49-F238E27FC236}">
+                <a16:creationId xmlns:a16="http://schemas.microsoft.com/office/drawing/2014/main" id="{1464E8B4-CF35-FA5C-41A2-11913CBDC4E2}"/>
+              </a:ext>
+            </a:extLst>
+          </p:cNvPr>
+          <p:cNvCxnSpPr/>
+          <p:nvPr/>
+        </p:nvCxnSpPr>
+        <p:spPr>
+          <a:xfrm>
+            <a:off x="3465866" y="4014020"/>
+            <a:ext cx="3996813" cy="0"/>
+          </a:xfrm>
+          <a:prstGeom prst="line">
+            <a:avLst/>
+          </a:prstGeom>
+          <a:ln>
+            <a:solidFill>
+              <a:srgbClr val="00C5AA"/>
+            </a:solidFill>
+          </a:ln>
+        </p:spPr>
+        <p:style>
+          <a:lnRef idx="2">
+            <a:schemeClr val="accent1"/>
+          </a:lnRef>
+          <a:fillRef idx="0">
+            <a:schemeClr val="accent1"/>
+          </a:fillRef>
+          <a:effectRef idx="1">
+            <a:schemeClr val="accent1"/>
+          </a:effectRef>
+          <a:fontRef idx="minor">
+            <a:schemeClr val="tx1"/>
+          </a:fontRef>
+        </p:style>
+      </p:cxnSp>
+      <p:sp>
+        <p:nvSpPr>
+          <p:cNvPr id="16" name="Rectangle: Rounded Corners 15">
+            <a:extLst>
+              <a:ext uri="{FF2B5EF4-FFF2-40B4-BE49-F238E27FC236}">
+                <a16:creationId xmlns:a16="http://schemas.microsoft.com/office/drawing/2014/main" id="{C5DC96B4-3C77-2F67-0A8C-7E49AA20A6DF}"/>
+              </a:ext>
+            </a:extLst>
+          </p:cNvPr>
+          <p:cNvSpPr/>
+          <p:nvPr/>
+        </p:nvSpPr>
+        <p:spPr>
+          <a:xfrm>
+            <a:off x="3426537" y="3495982"/>
+            <a:ext cx="3996813" cy="594853"/>
           </a:xfrm>
           <a:prstGeom prst="roundRect">
             <a:avLst/>
@@ -3481,19 +4513,62 @@
           <a:bodyPr rtlCol="0" anchor="ctr"/>
           <a:lstStyle/>
           <a:p>
-            <a:pPr algn="ctr"/>
-            <a:r>
-              <a:rPr lang="en-US" dirty="0" err="1">
+            <a:r>
+              <a:rPr lang="en-US" dirty="0">
                 <a:solidFill>
-                  <a:srgbClr val="FF0000"/>
+                  <a:schemeClr val="bg1">
+                    <a:lumMod val="65000"/>
+                  </a:schemeClr>
                 </a:solidFill>
               </a:rPr>
-              <a:t>lgo</a:t>
+              <a:t>password</a:t>
             </a:r>
             <a:endParaRPr lang="en-IN" dirty="0">
               <a:solidFill>
-                <a:srgbClr val="FF0000"/>
+                <a:schemeClr val="bg1">
+                  <a:lumMod val="65000"/>
+                </a:schemeClr>
               </a:solidFill>
+            </a:endParaRPr>
+          </a:p>
+        </p:txBody>
+      </p:sp>
+      <p:sp>
+        <p:nvSpPr>
+          <p:cNvPr id="17" name="TextBox 16">
+            <a:extLst>
+              <a:ext uri="{FF2B5EF4-FFF2-40B4-BE49-F238E27FC236}">
+                <a16:creationId xmlns:a16="http://schemas.microsoft.com/office/drawing/2014/main" id="{AC1E5F81-300C-0334-AB6B-41FC778F5F74}"/>
+              </a:ext>
+            </a:extLst>
+          </p:cNvPr>
+          <p:cNvSpPr txBox="1"/>
+          <p:nvPr/>
+        </p:nvSpPr>
+        <p:spPr>
+          <a:xfrm>
+            <a:off x="4275068" y="523255"/>
+            <a:ext cx="2378408" cy="369332"/>
+          </a:xfrm>
+          <a:prstGeom prst="rect">
+            <a:avLst/>
+          </a:prstGeom>
+          <a:noFill/>
+        </p:spPr>
+        <p:txBody>
+          <a:bodyPr wrap="none" rtlCol="0">
+            <a:spAutoFit/>
+          </a:bodyPr>
+          <a:lstStyle/>
+          <a:p>
+            <a:r>
+              <a:rPr lang="en-US" b="1" dirty="0">
+                <a:cs typeface="Poppins" panose="00000500000000000000" pitchFamily="2" charset="0"/>
+              </a:rPr>
+              <a:t>ADMIN LOGIN PANEL</a:t>
+            </a:r>
+            <a:endParaRPr lang="en-IN" b="1" dirty="0">
+              <a:cs typeface="Poppins" panose="00000500000000000000" pitchFamily="2" charset="0"/>
             </a:endParaRPr>
           </a:p>
         </p:txBody>
@@ -3501,7 +4576,199 @@
     </p:spTree>
     <p:extLst>
       <p:ext uri="{BB962C8B-B14F-4D97-AF65-F5344CB8AC3E}">
-        <p14:creationId xmlns:p14="http://schemas.microsoft.com/office/powerpoint/2010/main" val="2243756790"/>
+        <p14:creationId xmlns:p14="http://schemas.microsoft.com/office/powerpoint/2010/main" val="1740901025"/>
+      </p:ext>
+    </p:extLst>
+  </p:cSld>
+  <p:clrMapOvr>
+    <a:masterClrMapping/>
+  </p:clrMapOvr>
+</p:sld>
+</file>
+
+<file path=ppt/slides/slide3.xml><?xml version="1.0" encoding="utf-8"?>
+<p:sld xmlns:a="http://schemas.openxmlformats.org/drawingml/2006/main" xmlns:r="http://schemas.openxmlformats.org/officeDocument/2006/relationships" xmlns:p="http://schemas.openxmlformats.org/presentationml/2006/main">
+  <p:cSld>
+    <p:spTree>
+      <p:nvGrpSpPr>
+        <p:cNvPr id="1" name=""/>
+        <p:cNvGrpSpPr/>
+        <p:nvPr/>
+      </p:nvGrpSpPr>
+      <p:grpSpPr>
+        <a:xfrm>
+          <a:off x="0" y="0"/>
+          <a:ext cx="0" cy="0"/>
+          <a:chOff x="0" y="0"/>
+          <a:chExt cx="0" cy="0"/>
+        </a:xfrm>
+      </p:grpSpPr>
+      <p:sp>
+        <p:nvSpPr>
+          <p:cNvPr id="2" name="Rectangle: Rounded Corners 1">
+            <a:extLst>
+              <a:ext uri="{FF2B5EF4-FFF2-40B4-BE49-F238E27FC236}">
+                <a16:creationId xmlns:a16="http://schemas.microsoft.com/office/drawing/2014/main" id="{82923964-97F2-B5E4-8C14-857C950CB69D}"/>
+              </a:ext>
+            </a:extLst>
+          </p:cNvPr>
+          <p:cNvSpPr/>
+          <p:nvPr/>
+        </p:nvSpPr>
+        <p:spPr>
+          <a:xfrm>
+            <a:off x="560439" y="727587"/>
+            <a:ext cx="2782529" cy="1691148"/>
+          </a:xfrm>
+          <a:prstGeom prst="roundRect">
+            <a:avLst/>
+          </a:prstGeom>
+          <a:noFill/>
+          <a:ln>
+            <a:solidFill>
+              <a:schemeClr val="bg1">
+                <a:lumMod val="85000"/>
+              </a:schemeClr>
+            </a:solidFill>
+          </a:ln>
+        </p:spPr>
+        <p:style>
+          <a:lnRef idx="2">
+            <a:schemeClr val="accent1">
+              <a:shade val="15000"/>
+            </a:schemeClr>
+          </a:lnRef>
+          <a:fillRef idx="1">
+            <a:schemeClr val="accent1"/>
+          </a:fillRef>
+          <a:effectRef idx="0">
+            <a:schemeClr val="accent1"/>
+          </a:effectRef>
+          <a:fontRef idx="minor">
+            <a:schemeClr val="lt1"/>
+          </a:fontRef>
+        </p:style>
+        <p:txBody>
+          <a:bodyPr rtlCol="0" anchor="ctr"/>
+          <a:lstStyle/>
+          <a:p>
+            <a:pPr algn="ctr"/>
+            <a:endParaRPr lang="en-IN"/>
+          </a:p>
+        </p:txBody>
+      </p:sp>
+      <p:sp>
+        <p:nvSpPr>
+          <p:cNvPr id="3" name="Rectangle: Rounded Corners 2">
+            <a:extLst>
+              <a:ext uri="{FF2B5EF4-FFF2-40B4-BE49-F238E27FC236}">
+                <a16:creationId xmlns:a16="http://schemas.microsoft.com/office/drawing/2014/main" id="{64C088E1-7DED-6391-4EDA-D16591417419}"/>
+              </a:ext>
+            </a:extLst>
+          </p:cNvPr>
+          <p:cNvSpPr/>
+          <p:nvPr/>
+        </p:nvSpPr>
+        <p:spPr>
+          <a:xfrm>
+            <a:off x="3647768" y="727587"/>
+            <a:ext cx="2782529" cy="1691148"/>
+          </a:xfrm>
+          <a:prstGeom prst="roundRect">
+            <a:avLst/>
+          </a:prstGeom>
+          <a:noFill/>
+          <a:ln>
+            <a:solidFill>
+              <a:schemeClr val="bg1">
+                <a:lumMod val="85000"/>
+              </a:schemeClr>
+            </a:solidFill>
+          </a:ln>
+        </p:spPr>
+        <p:style>
+          <a:lnRef idx="2">
+            <a:schemeClr val="accent1">
+              <a:shade val="15000"/>
+            </a:schemeClr>
+          </a:lnRef>
+          <a:fillRef idx="1">
+            <a:schemeClr val="accent1"/>
+          </a:fillRef>
+          <a:effectRef idx="0">
+            <a:schemeClr val="accent1"/>
+          </a:effectRef>
+          <a:fontRef idx="minor">
+            <a:schemeClr val="lt1"/>
+          </a:fontRef>
+        </p:style>
+        <p:txBody>
+          <a:bodyPr rtlCol="0" anchor="ctr"/>
+          <a:lstStyle/>
+          <a:p>
+            <a:pPr algn="ctr"/>
+            <a:endParaRPr lang="en-IN"/>
+          </a:p>
+        </p:txBody>
+      </p:sp>
+      <p:sp>
+        <p:nvSpPr>
+          <p:cNvPr id="4" name="Rectangle: Rounded Corners 3">
+            <a:extLst>
+              <a:ext uri="{FF2B5EF4-FFF2-40B4-BE49-F238E27FC236}">
+                <a16:creationId xmlns:a16="http://schemas.microsoft.com/office/drawing/2014/main" id="{B732FF5E-3AEC-07AE-62BF-623317582DBD}"/>
+              </a:ext>
+            </a:extLst>
+          </p:cNvPr>
+          <p:cNvSpPr/>
+          <p:nvPr/>
+        </p:nvSpPr>
+        <p:spPr>
+          <a:xfrm>
+            <a:off x="6735097" y="727587"/>
+            <a:ext cx="2782529" cy="1691148"/>
+          </a:xfrm>
+          <a:prstGeom prst="roundRect">
+            <a:avLst/>
+          </a:prstGeom>
+          <a:noFill/>
+          <a:ln>
+            <a:solidFill>
+              <a:schemeClr val="bg1">
+                <a:lumMod val="85000"/>
+              </a:schemeClr>
+            </a:solidFill>
+          </a:ln>
+        </p:spPr>
+        <p:style>
+          <a:lnRef idx="2">
+            <a:schemeClr val="accent1">
+              <a:shade val="15000"/>
+            </a:schemeClr>
+          </a:lnRef>
+          <a:fillRef idx="1">
+            <a:schemeClr val="accent1"/>
+          </a:fillRef>
+          <a:effectRef idx="0">
+            <a:schemeClr val="accent1"/>
+          </a:effectRef>
+          <a:fontRef idx="minor">
+            <a:schemeClr val="lt1"/>
+          </a:fontRef>
+        </p:style>
+        <p:txBody>
+          <a:bodyPr rtlCol="0" anchor="ctr"/>
+          <a:lstStyle/>
+          <a:p>
+            <a:pPr algn="ctr"/>
+            <a:endParaRPr lang="en-IN"/>
+          </a:p>
+        </p:txBody>
+      </p:sp>
+    </p:spTree>
+    <p:extLst>
+      <p:ext uri="{BB962C8B-B14F-4D97-AF65-F5344CB8AC3E}">
+        <p14:creationId xmlns:p14="http://schemas.microsoft.com/office/powerpoint/2010/main" val="755337358"/>
       </p:ext>
     </p:extLst>
   </p:cSld>
@@ -3824,4 +5091,319 @@
     </a:ext>
   </a:extLst>
 </a:theme>
+</file>
+
+<file path=ppt/theme/theme2.xml><?xml version="1.0" encoding="utf-8"?>
+<a:theme xmlns:a="http://schemas.openxmlformats.org/drawingml/2006/main" name="Office Theme">
+  <a:themeElements>
+    <a:clrScheme name="Office">
+      <a:dk1>
+        <a:sysClr val="windowText" lastClr="000000"/>
+      </a:dk1>
+      <a:lt1>
+        <a:sysClr val="window" lastClr="FFFFFF"/>
+      </a:lt1>
+      <a:dk2>
+        <a:srgbClr val="0E2841"/>
+      </a:dk2>
+      <a:lt2>
+        <a:srgbClr val="E8E8E8"/>
+      </a:lt2>
+      <a:accent1>
+        <a:srgbClr val="156082"/>
+      </a:accent1>
+      <a:accent2>
+        <a:srgbClr val="E97132"/>
+      </a:accent2>
+      <a:accent3>
+        <a:srgbClr val="196B24"/>
+      </a:accent3>
+      <a:accent4>
+        <a:srgbClr val="0F9ED5"/>
+      </a:accent4>
+      <a:accent5>
+        <a:srgbClr val="A02B93"/>
+      </a:accent5>
+      <a:accent6>
+        <a:srgbClr val="4EA72E"/>
+      </a:accent6>
+      <a:hlink>
+        <a:srgbClr val="467886"/>
+      </a:hlink>
+      <a:folHlink>
+        <a:srgbClr val="96607D"/>
+      </a:folHlink>
+    </a:clrScheme>
+    <a:fontScheme name="Office">
+      <a:majorFont>
+        <a:latin typeface="Aptos Display" panose="02110004020202020204"/>
+        <a:ea typeface=""/>
+        <a:cs typeface=""/>
+        <a:font script="Jpan" typeface="游ゴシック Light"/>
+        <a:font script="Hang" typeface="맑은 고딕"/>
+        <a:font script="Hans" typeface="等线 Light"/>
+        <a:font script="Hant" typeface="新細明體"/>
+        <a:font script="Arab" typeface="Times New Roman"/>
+        <a:font script="Hebr" typeface="Times New Roman"/>
+        <a:font script="Thai" typeface="Angsana New"/>
+        <a:font script="Ethi" typeface="Nyala"/>
+        <a:font script="Beng" typeface="Vrinda"/>
+        <a:font script="Gujr" typeface="Shruti"/>
+        <a:font script="Khmr" typeface="MoolBoran"/>
+        <a:font script="Knda" typeface="Tunga"/>
+        <a:font script="Guru" typeface="Raavi"/>
+        <a:font script="Cans" typeface="Euphemia"/>
+        <a:font script="Cher" typeface="Plantagenet Cherokee"/>
+        <a:font script="Yiii" typeface="Microsoft Yi Baiti"/>
+        <a:font script="Tibt" typeface="Microsoft Himalaya"/>
+        <a:font script="Thaa" typeface="MV Boli"/>
+        <a:font script="Deva" typeface="Mangal"/>
+        <a:font script="Telu" typeface="Gautami"/>
+        <a:font script="Taml" typeface="Latha"/>
+        <a:font script="Syrc" typeface="Estrangelo Edessa"/>
+        <a:font script="Orya" typeface="Kalinga"/>
+        <a:font script="Mlym" typeface="Kartika"/>
+        <a:font script="Laoo" typeface="DokChampa"/>
+        <a:font script="Sinh" typeface="Iskoola Pota"/>
+        <a:font script="Mong" typeface="Mongolian Baiti"/>
+        <a:font script="Viet" typeface="Times New Roman"/>
+        <a:font script="Uigh" typeface="Microsoft Uighur"/>
+        <a:font script="Geor" typeface="Sylfaen"/>
+        <a:font script="Armn" typeface="Arial"/>
+        <a:font script="Bugi" typeface="Leelawadee UI"/>
+        <a:font script="Bopo" typeface="Microsoft JhengHei"/>
+        <a:font script="Java" typeface="Javanese Text"/>
+        <a:font script="Lisu" typeface="Segoe UI"/>
+        <a:font script="Mymr" typeface="Myanmar Text"/>
+        <a:font script="Nkoo" typeface="Ebrima"/>
+        <a:font script="Olck" typeface="Nirmala UI"/>
+        <a:font script="Osma" typeface="Ebrima"/>
+        <a:font script="Phag" typeface="Phagspa"/>
+        <a:font script="Syrn" typeface="Estrangelo Edessa"/>
+        <a:font script="Syrj" typeface="Estrangelo Edessa"/>
+        <a:font script="Syre" typeface="Estrangelo Edessa"/>
+        <a:font script="Sora" typeface="Nirmala UI"/>
+        <a:font script="Tale" typeface="Microsoft Tai Le"/>
+        <a:font script="Talu" typeface="Microsoft New Tai Lue"/>
+        <a:font script="Tfng" typeface="Ebrima"/>
+      </a:majorFont>
+      <a:minorFont>
+        <a:latin typeface="Aptos" panose="02110004020202020204"/>
+        <a:ea typeface=""/>
+        <a:cs typeface=""/>
+        <a:font script="Jpan" typeface="游ゴシック"/>
+        <a:font script="Hang" typeface="맑은 고딕"/>
+        <a:font script="Hans" typeface="等线"/>
+        <a:font script="Hant" typeface="新細明體"/>
+        <a:font script="Arab" typeface="Arial"/>
+        <a:font script="Hebr" typeface="Arial"/>
+        <a:font script="Thai" typeface="Cordia New"/>
+        <a:font script="Ethi" typeface="Nyala"/>
+        <a:font script="Beng" typeface="Vrinda"/>
+        <a:font script="Gujr" typeface="Shruti"/>
+        <a:font script="Khmr" typeface="DaunPenh"/>
+        <a:font script="Knda" typeface="Tunga"/>
+        <a:font script="Guru" typeface="Raavi"/>
+        <a:font script="Cans" typeface="Euphemia"/>
+        <a:font script="Cher" typeface="Plantagenet Cherokee"/>
+        <a:font script="Yiii" typeface="Microsoft Yi Baiti"/>
+        <a:font script="Tibt" typeface="Microsoft Himalaya"/>
+        <a:font script="Thaa" typeface="MV Boli"/>
+        <a:font script="Deva" typeface="Mangal"/>
+        <a:font script="Telu" typeface="Gautami"/>
+        <a:font script="Taml" typeface="Latha"/>
+        <a:font script="Syrc" typeface="Estrangelo Edessa"/>
+        <a:font script="Orya" typeface="Kalinga"/>
+        <a:font script="Mlym" typeface="Kartika"/>
+        <a:font script="Laoo" typeface="DokChampa"/>
+        <a:font script="Sinh" typeface="Iskoola Pota"/>
+        <a:font script="Mong" typeface="Mongolian Baiti"/>
+        <a:font script="Viet" typeface="Arial"/>
+        <a:font script="Uigh" typeface="Microsoft Uighur"/>
+        <a:font script="Geor" typeface="Sylfaen"/>
+        <a:font script="Armn" typeface="Arial"/>
+        <a:font script="Bugi" typeface="Leelawadee UI"/>
+        <a:font script="Bopo" typeface="Microsoft JhengHei"/>
+        <a:font script="Java" typeface="Javanese Text"/>
+        <a:font script="Lisu" typeface="Segoe UI"/>
+        <a:font script="Mymr" typeface="Myanmar Text"/>
+        <a:font script="Nkoo" typeface="Ebrima"/>
+        <a:font script="Olck" typeface="Nirmala UI"/>
+        <a:font script="Osma" typeface="Ebrima"/>
+        <a:font script="Phag" typeface="Phagspa"/>
+        <a:font script="Syrn" typeface="Estrangelo Edessa"/>
+        <a:font script="Syrj" typeface="Estrangelo Edessa"/>
+        <a:font script="Syre" typeface="Estrangelo Edessa"/>
+        <a:font script="Sora" typeface="Nirmala UI"/>
+        <a:font script="Tale" typeface="Microsoft Tai Le"/>
+        <a:font script="Talu" typeface="Microsoft New Tai Lue"/>
+        <a:font script="Tfng" typeface="Ebrima"/>
+      </a:minorFont>
+    </a:fontScheme>
+    <a:fmtScheme name="Office">
+      <a:fillStyleLst>
+        <a:solidFill>
+          <a:schemeClr val="phClr"/>
+        </a:solidFill>
+        <a:gradFill rotWithShape="1">
+          <a:gsLst>
+            <a:gs pos="0">
+              <a:schemeClr val="phClr">
+                <a:lumMod val="110000"/>
+                <a:satMod val="105000"/>
+                <a:tint val="67000"/>
+              </a:schemeClr>
+            </a:gs>
+            <a:gs pos="50000">
+              <a:schemeClr val="phClr">
+                <a:lumMod val="105000"/>
+                <a:satMod val="103000"/>
+                <a:tint val="73000"/>
+              </a:schemeClr>
+            </a:gs>
+            <a:gs pos="100000">
+              <a:schemeClr val="phClr">
+                <a:lumMod val="105000"/>
+                <a:satMod val="109000"/>
+                <a:tint val="81000"/>
+              </a:schemeClr>
+            </a:gs>
+          </a:gsLst>
+          <a:lin ang="5400000" scaled="0"/>
+        </a:gradFill>
+        <a:gradFill rotWithShape="1">
+          <a:gsLst>
+            <a:gs pos="0">
+              <a:schemeClr val="phClr">
+                <a:satMod val="103000"/>
+                <a:lumMod val="102000"/>
+                <a:tint val="94000"/>
+              </a:schemeClr>
+            </a:gs>
+            <a:gs pos="50000">
+              <a:schemeClr val="phClr">
+                <a:satMod val="110000"/>
+                <a:lumMod val="100000"/>
+                <a:shade val="100000"/>
+              </a:schemeClr>
+            </a:gs>
+            <a:gs pos="100000">
+              <a:schemeClr val="phClr">
+                <a:lumMod val="99000"/>
+                <a:satMod val="120000"/>
+                <a:shade val="78000"/>
+              </a:schemeClr>
+            </a:gs>
+          </a:gsLst>
+          <a:lin ang="5400000" scaled="0"/>
+        </a:gradFill>
+      </a:fillStyleLst>
+      <a:lnStyleLst>
+        <a:ln w="12700" cap="flat" cmpd="sng" algn="ctr">
+          <a:solidFill>
+            <a:schemeClr val="phClr"/>
+          </a:solidFill>
+          <a:prstDash val="solid"/>
+          <a:miter lim="800000"/>
+        </a:ln>
+        <a:ln w="19050" cap="flat" cmpd="sng" algn="ctr">
+          <a:solidFill>
+            <a:schemeClr val="phClr"/>
+          </a:solidFill>
+          <a:prstDash val="solid"/>
+          <a:miter lim="800000"/>
+        </a:ln>
+        <a:ln w="25400" cap="flat" cmpd="sng" algn="ctr">
+          <a:solidFill>
+            <a:schemeClr val="phClr"/>
+          </a:solidFill>
+          <a:prstDash val="solid"/>
+          <a:miter lim="800000"/>
+        </a:ln>
+      </a:lnStyleLst>
+      <a:effectStyleLst>
+        <a:effectStyle>
+          <a:effectLst/>
+        </a:effectStyle>
+        <a:effectStyle>
+          <a:effectLst/>
+        </a:effectStyle>
+        <a:effectStyle>
+          <a:effectLst>
+            <a:outerShdw blurRad="57150" dist="19050" dir="5400000" algn="ctr" rotWithShape="0">
+              <a:srgbClr val="000000">
+                <a:alpha val="63000"/>
+              </a:srgbClr>
+            </a:outerShdw>
+          </a:effectLst>
+        </a:effectStyle>
+      </a:effectStyleLst>
+      <a:bgFillStyleLst>
+        <a:solidFill>
+          <a:schemeClr val="phClr"/>
+        </a:solidFill>
+        <a:solidFill>
+          <a:schemeClr val="phClr">
+            <a:tint val="95000"/>
+            <a:satMod val="170000"/>
+          </a:schemeClr>
+        </a:solidFill>
+        <a:gradFill rotWithShape="1">
+          <a:gsLst>
+            <a:gs pos="0">
+              <a:schemeClr val="phClr">
+                <a:tint val="93000"/>
+                <a:satMod val="150000"/>
+                <a:shade val="98000"/>
+                <a:lumMod val="102000"/>
+              </a:schemeClr>
+            </a:gs>
+            <a:gs pos="50000">
+              <a:schemeClr val="phClr">
+                <a:tint val="98000"/>
+                <a:satMod val="130000"/>
+                <a:shade val="90000"/>
+                <a:lumMod val="103000"/>
+              </a:schemeClr>
+            </a:gs>
+            <a:gs pos="100000">
+              <a:schemeClr val="phClr">
+                <a:shade val="63000"/>
+                <a:satMod val="120000"/>
+              </a:schemeClr>
+            </a:gs>
+          </a:gsLst>
+          <a:lin ang="5400000" scaled="0"/>
+        </a:gradFill>
+      </a:bgFillStyleLst>
+    </a:fmtScheme>
+  </a:themeElements>
+  <a:objectDefaults>
+    <a:lnDef>
+      <a:spPr/>
+      <a:bodyPr/>
+      <a:lstStyle/>
+      <a:style>
+        <a:lnRef idx="2">
+          <a:schemeClr val="accent1"/>
+        </a:lnRef>
+        <a:fillRef idx="0">
+          <a:schemeClr val="accent1"/>
+        </a:fillRef>
+        <a:effectRef idx="1">
+          <a:schemeClr val="accent1"/>
+        </a:effectRef>
+        <a:fontRef idx="minor">
+          <a:schemeClr val="tx1"/>
+        </a:fontRef>
+      </a:style>
+    </a:lnDef>
+  </a:objectDefaults>
+  <a:extraClrSchemeLst/>
+  <a:extLst>
+    <a:ext uri="{05A4C25C-085E-4340-85A3-A5531E510DB2}">
+      <thm15:themeFamily xmlns:thm15="http://schemas.microsoft.com/office/thememl/2012/main" name="Office Theme" id="{2E142A2C-CD16-42D6-873A-C26D2A0506FA}" vid="{1BDDFF52-6CD6-40A5-AB3C-68EB2F1E4D0A}"/>
+    </a:ext>
+  </a:extLst>
+</a:theme>
 </file>
--- a/design ex..pptx
+++ b/design ex..pptx
@@ -4617,8 +4617,198 @@
         </p:nvSpPr>
         <p:spPr>
           <a:xfrm>
-            <a:off x="560439" y="727587"/>
-            <a:ext cx="2782529" cy="1691148"/>
+            <a:off x="196646" y="2386781"/>
+            <a:ext cx="3264309" cy="1956619"/>
+          </a:xfrm>
+          <a:prstGeom prst="roundRect">
+            <a:avLst/>
+          </a:prstGeom>
+          <a:solidFill>
+            <a:schemeClr val="bg1">
+              <a:lumMod val="95000"/>
+            </a:schemeClr>
+          </a:solidFill>
+          <a:ln>
+            <a:solidFill>
+              <a:schemeClr val="bg1">
+                <a:lumMod val="85000"/>
+              </a:schemeClr>
+            </a:solidFill>
+          </a:ln>
+        </p:spPr>
+        <p:style>
+          <a:lnRef idx="2">
+            <a:schemeClr val="accent1">
+              <a:shade val="15000"/>
+            </a:schemeClr>
+          </a:lnRef>
+          <a:fillRef idx="1">
+            <a:schemeClr val="accent1"/>
+          </a:fillRef>
+          <a:effectRef idx="0">
+            <a:schemeClr val="accent1"/>
+          </a:effectRef>
+          <a:fontRef idx="minor">
+            <a:schemeClr val="lt1"/>
+          </a:fontRef>
+        </p:style>
+        <p:txBody>
+          <a:bodyPr rtlCol="0" anchor="ctr"/>
+          <a:lstStyle/>
+          <a:p>
+            <a:pPr algn="ctr"/>
+            <a:endParaRPr lang="en-IN" dirty="0">
+              <a:solidFill>
+                <a:schemeClr val="tx1"/>
+              </a:solidFill>
+            </a:endParaRPr>
+          </a:p>
+        </p:txBody>
+      </p:sp>
+      <p:sp>
+        <p:nvSpPr>
+          <p:cNvPr id="5" name="Rectangle: Rounded Corners 4">
+            <a:extLst>
+              <a:ext uri="{FF2B5EF4-FFF2-40B4-BE49-F238E27FC236}">
+                <a16:creationId xmlns:a16="http://schemas.microsoft.com/office/drawing/2014/main" id="{CF38B576-DDCC-122C-0179-5572A35FAD99}"/>
+              </a:ext>
+            </a:extLst>
+          </p:cNvPr>
+          <p:cNvSpPr/>
+          <p:nvPr/>
+        </p:nvSpPr>
+        <p:spPr>
+          <a:xfrm>
+            <a:off x="530941" y="3429000"/>
+            <a:ext cx="1253614" cy="349044"/>
+          </a:xfrm>
+          <a:prstGeom prst="roundRect">
+            <a:avLst/>
+          </a:prstGeom>
+          <a:solidFill>
+            <a:srgbClr val="00D7B9"/>
+          </a:solidFill>
+          <a:ln>
+            <a:solidFill>
+              <a:srgbClr val="00D7B9"/>
+            </a:solidFill>
+          </a:ln>
+        </p:spPr>
+        <p:style>
+          <a:lnRef idx="2">
+            <a:schemeClr val="accent1">
+              <a:shade val="15000"/>
+            </a:schemeClr>
+          </a:lnRef>
+          <a:fillRef idx="1">
+            <a:schemeClr val="accent1"/>
+          </a:fillRef>
+          <a:effectRef idx="0">
+            <a:schemeClr val="accent1"/>
+          </a:effectRef>
+          <a:fontRef idx="minor">
+            <a:schemeClr val="lt1"/>
+          </a:fontRef>
+        </p:style>
+        <p:txBody>
+          <a:bodyPr rtlCol="0" anchor="ctr"/>
+          <a:lstStyle/>
+          <a:p>
+            <a:pPr algn="ctr"/>
+            <a:r>
+              <a:rPr lang="en-IN" dirty="0">
+                <a:solidFill>
+                  <a:schemeClr val="bg1"/>
+                </a:solidFill>
+                <a:latin typeface="Calibri" panose="020F0502020204030204" pitchFamily="34" charset="0"/>
+                <a:ea typeface="Calibri" panose="020F0502020204030204" pitchFamily="34" charset="0"/>
+                <a:cs typeface="Calibri" panose="020F0502020204030204" pitchFamily="34" charset="0"/>
+              </a:rPr>
+              <a:t>New Entry</a:t>
+            </a:r>
+          </a:p>
+        </p:txBody>
+      </p:sp>
+      <p:sp>
+        <p:nvSpPr>
+          <p:cNvPr id="6" name="Rectangle: Rounded Corners 5">
+            <a:extLst>
+              <a:ext uri="{FF2B5EF4-FFF2-40B4-BE49-F238E27FC236}">
+                <a16:creationId xmlns:a16="http://schemas.microsoft.com/office/drawing/2014/main" id="{58891052-F960-9EA8-9711-C8813EFE3D03}"/>
+              </a:ext>
+            </a:extLst>
+          </p:cNvPr>
+          <p:cNvSpPr/>
+          <p:nvPr/>
+        </p:nvSpPr>
+        <p:spPr>
+          <a:xfrm>
+            <a:off x="1922205" y="3429000"/>
+            <a:ext cx="1253614" cy="349044"/>
+          </a:xfrm>
+          <a:prstGeom prst="roundRect">
+            <a:avLst/>
+          </a:prstGeom>
+          <a:solidFill>
+            <a:srgbClr val="00D7B9"/>
+          </a:solidFill>
+          <a:ln>
+            <a:solidFill>
+              <a:srgbClr val="00D7B9"/>
+            </a:solidFill>
+          </a:ln>
+        </p:spPr>
+        <p:style>
+          <a:lnRef idx="2">
+            <a:schemeClr val="accent1">
+              <a:shade val="15000"/>
+            </a:schemeClr>
+          </a:lnRef>
+          <a:fillRef idx="1">
+            <a:schemeClr val="accent1"/>
+          </a:fillRef>
+          <a:effectRef idx="0">
+            <a:schemeClr val="accent1"/>
+          </a:effectRef>
+          <a:fontRef idx="minor">
+            <a:schemeClr val="lt1"/>
+          </a:fontRef>
+        </p:style>
+        <p:txBody>
+          <a:bodyPr rtlCol="0" anchor="ctr"/>
+          <a:lstStyle/>
+          <a:p>
+            <a:pPr algn="ctr"/>
+            <a:r>
+              <a:rPr lang="en-IN" dirty="0">
+                <a:solidFill>
+                  <a:schemeClr val="bg1"/>
+                </a:solidFill>
+                <a:latin typeface="Calibri" panose="020F0502020204030204" pitchFamily="34" charset="0"/>
+                <a:ea typeface="Calibri" panose="020F0502020204030204" pitchFamily="34" charset="0"/>
+                <a:cs typeface="Calibri" panose="020F0502020204030204" pitchFamily="34" charset="0"/>
+              </a:rPr>
+              <a:t>Details</a:t>
+            </a:r>
+          </a:p>
+        </p:txBody>
+      </p:sp>
+      <p:sp>
+        <p:nvSpPr>
+          <p:cNvPr id="7" name="Rectangle: Rounded Corners 6">
+            <a:extLst>
+              <a:ext uri="{FF2B5EF4-FFF2-40B4-BE49-F238E27FC236}">
+                <a16:creationId xmlns:a16="http://schemas.microsoft.com/office/drawing/2014/main" id="{300076D1-D196-A8D7-3593-AA4DBAA5748A}"/>
+              </a:ext>
+            </a:extLst>
+          </p:cNvPr>
+          <p:cNvSpPr/>
+          <p:nvPr/>
+        </p:nvSpPr>
+        <p:spPr>
+          <a:xfrm>
+            <a:off x="1157748" y="2819400"/>
+            <a:ext cx="1253614" cy="349044"/>
           </a:xfrm>
           <a:prstGeom prst="roundRect">
             <a:avLst/>
@@ -4653,118 +4843,783 @@
           <a:lstStyle/>
           <a:p>
             <a:pPr algn="ctr"/>
-            <a:endParaRPr lang="en-IN"/>
-          </a:p>
-        </p:txBody>
-      </p:sp>
-      <p:sp>
-        <p:nvSpPr>
-          <p:cNvPr id="3" name="Rectangle: Rounded Corners 2">
-            <a:extLst>
-              <a:ext uri="{FF2B5EF4-FFF2-40B4-BE49-F238E27FC236}">
-                <a16:creationId xmlns:a16="http://schemas.microsoft.com/office/drawing/2014/main" id="{64C088E1-7DED-6391-4EDA-D16591417419}"/>
-              </a:ext>
-            </a:extLst>
-          </p:cNvPr>
-          <p:cNvSpPr/>
+            <a:r>
+              <a:rPr lang="en-IN" dirty="0">
+                <a:solidFill>
+                  <a:schemeClr val="tx1"/>
+                </a:solidFill>
+                <a:latin typeface="Calibri" panose="020F0502020204030204" pitchFamily="34" charset="0"/>
+                <a:ea typeface="Calibri" panose="020F0502020204030204" pitchFamily="34" charset="0"/>
+                <a:cs typeface="Calibri" panose="020F0502020204030204" pitchFamily="34" charset="0"/>
+              </a:rPr>
+              <a:t>INQUIRIES</a:t>
+            </a:r>
+          </a:p>
+        </p:txBody>
+      </p:sp>
+      <p:grpSp>
+        <p:nvGrpSpPr>
+          <p:cNvPr id="34" name="Group 33">
+            <a:extLst>
+              <a:ext uri="{FF2B5EF4-FFF2-40B4-BE49-F238E27FC236}">
+                <a16:creationId xmlns:a16="http://schemas.microsoft.com/office/drawing/2014/main" id="{BA7858A6-AE28-F15C-6A9C-1DC8ABBCB405}"/>
+              </a:ext>
+            </a:extLst>
+          </p:cNvPr>
+          <p:cNvGrpSpPr/>
           <p:nvPr/>
-        </p:nvSpPr>
-        <p:spPr>
+        </p:nvGrpSpPr>
+        <p:grpSpPr>
           <a:xfrm>
-            <a:off x="3647768" y="727587"/>
-            <a:ext cx="2782529" cy="1691148"/>
+            <a:off x="363790" y="671051"/>
+            <a:ext cx="11503741" cy="540774"/>
+            <a:chOff x="196645" y="373626"/>
+            <a:chExt cx="11503741" cy="540774"/>
           </a:xfrm>
-          <a:prstGeom prst="roundRect">
-            <a:avLst/>
-          </a:prstGeom>
-          <a:noFill/>
-          <a:ln>
+        </p:grpSpPr>
+        <p:sp>
+          <p:nvSpPr>
+            <p:cNvPr id="20" name="Rectangle: Rounded Corners 19">
+              <a:extLst>
+                <a:ext uri="{FF2B5EF4-FFF2-40B4-BE49-F238E27FC236}">
+                  <a16:creationId xmlns:a16="http://schemas.microsoft.com/office/drawing/2014/main" id="{13ACADDA-4AF8-4680-EBC5-92E7C662BA10}"/>
+                </a:ext>
+              </a:extLst>
+            </p:cNvPr>
+            <p:cNvSpPr/>
+            <p:nvPr/>
+          </p:nvSpPr>
+          <p:spPr>
+            <a:xfrm>
+              <a:off x="196645" y="373626"/>
+              <a:ext cx="11503741" cy="540774"/>
+            </a:xfrm>
+            <a:prstGeom prst="roundRect">
+              <a:avLst/>
+            </a:prstGeom>
+            <a:solidFill>
+              <a:srgbClr val="FF0000"/>
+            </a:solidFill>
+            <a:ln>
+              <a:solidFill>
+                <a:srgbClr val="FF0000"/>
+              </a:solidFill>
+            </a:ln>
+          </p:spPr>
+          <p:style>
+            <a:lnRef idx="2">
+              <a:schemeClr val="accent1">
+                <a:shade val="15000"/>
+              </a:schemeClr>
+            </a:lnRef>
+            <a:fillRef idx="1">
+              <a:schemeClr val="accent1"/>
+            </a:fillRef>
+            <a:effectRef idx="0">
+              <a:schemeClr val="accent1"/>
+            </a:effectRef>
+            <a:fontRef idx="minor">
+              <a:schemeClr val="lt1"/>
+            </a:fontRef>
+          </p:style>
+          <p:txBody>
+            <a:bodyPr rtlCol="0" anchor="ctr"/>
+            <a:lstStyle/>
+            <a:p>
+              <a:endParaRPr lang="en-IN" b="1" dirty="0"/>
+            </a:p>
+          </p:txBody>
+        </p:sp>
+        <p:sp>
+          <p:nvSpPr>
+            <p:cNvPr id="21" name="Rectangle: Rounded Corners 20">
+              <a:extLst>
+                <a:ext uri="{FF2B5EF4-FFF2-40B4-BE49-F238E27FC236}">
+                  <a16:creationId xmlns:a16="http://schemas.microsoft.com/office/drawing/2014/main" id="{48D0A141-6FFF-C79F-A8AB-2A4F67F24DCF}"/>
+                </a:ext>
+              </a:extLst>
+            </p:cNvPr>
+            <p:cNvSpPr/>
+            <p:nvPr/>
+          </p:nvSpPr>
+          <p:spPr>
+            <a:xfrm>
+              <a:off x="10235377" y="484240"/>
+              <a:ext cx="1253614" cy="349044"/>
+            </a:xfrm>
+            <a:prstGeom prst="roundRect">
+              <a:avLst/>
+            </a:prstGeom>
+            <a:solidFill>
+              <a:srgbClr val="C00000"/>
+            </a:solidFill>
+            <a:ln>
+              <a:solidFill>
+                <a:srgbClr val="C00000"/>
+              </a:solidFill>
+            </a:ln>
+          </p:spPr>
+          <p:style>
+            <a:lnRef idx="2">
+              <a:schemeClr val="accent1">
+                <a:shade val="15000"/>
+              </a:schemeClr>
+            </a:lnRef>
+            <a:fillRef idx="1">
+              <a:schemeClr val="accent1"/>
+            </a:fillRef>
+            <a:effectRef idx="0">
+              <a:schemeClr val="accent1"/>
+            </a:effectRef>
+            <a:fontRef idx="minor">
+              <a:schemeClr val="lt1"/>
+            </a:fontRef>
+          </p:style>
+          <p:txBody>
+            <a:bodyPr rtlCol="0" anchor="ctr"/>
+            <a:lstStyle/>
+            <a:p>
+              <a:pPr algn="ctr"/>
+              <a:r>
+                <a:rPr lang="en-IN" sz="1600" b="1" dirty="0">
+                  <a:solidFill>
+                    <a:schemeClr val="bg1"/>
+                  </a:solidFill>
+                  <a:latin typeface="Calibri" panose="020F0502020204030204" pitchFamily="34" charset="0"/>
+                  <a:ea typeface="Calibri" panose="020F0502020204030204" pitchFamily="34" charset="0"/>
+                  <a:cs typeface="Calibri" panose="020F0502020204030204" pitchFamily="34" charset="0"/>
+                </a:rPr>
+                <a:t>Login</a:t>
+              </a:r>
+              <a:r>
+                <a:rPr lang="en-IN" b="1" dirty="0">
+                  <a:solidFill>
+                    <a:schemeClr val="bg1"/>
+                  </a:solidFill>
+                  <a:latin typeface="Calibri" panose="020F0502020204030204" pitchFamily="34" charset="0"/>
+                  <a:ea typeface="Calibri" panose="020F0502020204030204" pitchFamily="34" charset="0"/>
+                  <a:cs typeface="Calibri" panose="020F0502020204030204" pitchFamily="34" charset="0"/>
+                </a:rPr>
+                <a:t> id</a:t>
+              </a:r>
+            </a:p>
+          </p:txBody>
+        </p:sp>
+        <p:sp>
+          <p:nvSpPr>
+            <p:cNvPr id="22" name="Rectangle: Rounded Corners 21">
+              <a:extLst>
+                <a:ext uri="{FF2B5EF4-FFF2-40B4-BE49-F238E27FC236}">
+                  <a16:creationId xmlns:a16="http://schemas.microsoft.com/office/drawing/2014/main" id="{15183DD7-1EB4-8D5D-68B5-BD17462C63EE}"/>
+                </a:ext>
+              </a:extLst>
+            </p:cNvPr>
+            <p:cNvSpPr/>
+            <p:nvPr/>
+          </p:nvSpPr>
+          <p:spPr>
+            <a:xfrm>
+              <a:off x="292512" y="484240"/>
+              <a:ext cx="1705907" cy="349044"/>
+            </a:xfrm>
+            <a:prstGeom prst="roundRect">
+              <a:avLst/>
+            </a:prstGeom>
+            <a:solidFill>
+              <a:srgbClr val="C00000"/>
+            </a:solidFill>
+            <a:ln>
+              <a:solidFill>
+                <a:srgbClr val="C00000"/>
+              </a:solidFill>
+            </a:ln>
+          </p:spPr>
+          <p:style>
+            <a:lnRef idx="2">
+              <a:schemeClr val="accent1">
+                <a:shade val="15000"/>
+              </a:schemeClr>
+            </a:lnRef>
+            <a:fillRef idx="1">
+              <a:schemeClr val="accent1"/>
+            </a:fillRef>
+            <a:effectRef idx="0">
+              <a:schemeClr val="accent1"/>
+            </a:effectRef>
+            <a:fontRef idx="minor">
+              <a:schemeClr val="lt1"/>
+            </a:fontRef>
+          </p:style>
+          <p:txBody>
+            <a:bodyPr rtlCol="0" anchor="ctr"/>
+            <a:lstStyle/>
+            <a:p>
+              <a:pPr algn="ctr"/>
+              <a:r>
+                <a:rPr lang="en-IN" sz="1600" b="1" dirty="0">
+                  <a:solidFill>
+                    <a:schemeClr val="bg1"/>
+                  </a:solidFill>
+                  <a:latin typeface="Calibri" panose="020F0502020204030204" pitchFamily="34" charset="0"/>
+                  <a:ea typeface="Calibri" panose="020F0502020204030204" pitchFamily="34" charset="0"/>
+                  <a:cs typeface="Calibri" panose="020F0502020204030204" pitchFamily="34" charset="0"/>
+                </a:rPr>
+                <a:t>ADMIN PANEL</a:t>
+              </a:r>
+            </a:p>
+          </p:txBody>
+        </p:sp>
+      </p:grpSp>
+      <p:grpSp>
+        <p:nvGrpSpPr>
+          <p:cNvPr id="28" name="Group 27">
+            <a:extLst>
+              <a:ext uri="{FF2B5EF4-FFF2-40B4-BE49-F238E27FC236}">
+                <a16:creationId xmlns:a16="http://schemas.microsoft.com/office/drawing/2014/main" id="{091DCB8A-6971-5A3B-2FBE-49EEE786EAE6}"/>
+              </a:ext>
+            </a:extLst>
+          </p:cNvPr>
+          <p:cNvGrpSpPr/>
+          <p:nvPr/>
+        </p:nvGrpSpPr>
+        <p:grpSpPr>
+          <a:xfrm>
+            <a:off x="4278258" y="2386781"/>
+            <a:ext cx="3264309" cy="1956619"/>
+            <a:chOff x="3751004" y="4527755"/>
+            <a:chExt cx="3264309" cy="1956619"/>
+          </a:xfrm>
+        </p:grpSpPr>
+        <p:sp>
+          <p:nvSpPr>
+            <p:cNvPr id="24" name="Rectangle: Rounded Corners 23">
+              <a:extLst>
+                <a:ext uri="{FF2B5EF4-FFF2-40B4-BE49-F238E27FC236}">
+                  <a16:creationId xmlns:a16="http://schemas.microsoft.com/office/drawing/2014/main" id="{B5345EC5-387E-2AE8-8EE1-2146E5186954}"/>
+                </a:ext>
+              </a:extLst>
+            </p:cNvPr>
+            <p:cNvSpPr/>
+            <p:nvPr/>
+          </p:nvSpPr>
+          <p:spPr>
+            <a:xfrm>
+              <a:off x="3751004" y="4527755"/>
+              <a:ext cx="3264309" cy="1956619"/>
+            </a:xfrm>
+            <a:prstGeom prst="roundRect">
+              <a:avLst/>
+            </a:prstGeom>
             <a:solidFill>
               <a:schemeClr val="bg1">
-                <a:lumMod val="85000"/>
+                <a:lumMod val="95000"/>
               </a:schemeClr>
             </a:solidFill>
-          </a:ln>
-        </p:spPr>
-        <p:style>
-          <a:lnRef idx="2">
-            <a:schemeClr val="accent1">
-              <a:shade val="15000"/>
-            </a:schemeClr>
-          </a:lnRef>
-          <a:fillRef idx="1">
-            <a:schemeClr val="accent1"/>
-          </a:fillRef>
-          <a:effectRef idx="0">
-            <a:schemeClr val="accent1"/>
-          </a:effectRef>
-          <a:fontRef idx="minor">
-            <a:schemeClr val="lt1"/>
-          </a:fontRef>
-        </p:style>
-        <p:txBody>
-          <a:bodyPr rtlCol="0" anchor="ctr"/>
-          <a:lstStyle/>
-          <a:p>
-            <a:pPr algn="ctr"/>
-            <a:endParaRPr lang="en-IN"/>
-          </a:p>
-        </p:txBody>
-      </p:sp>
-      <p:sp>
-        <p:nvSpPr>
-          <p:cNvPr id="4" name="Rectangle: Rounded Corners 3">
-            <a:extLst>
-              <a:ext uri="{FF2B5EF4-FFF2-40B4-BE49-F238E27FC236}">
-                <a16:creationId xmlns:a16="http://schemas.microsoft.com/office/drawing/2014/main" id="{B732FF5E-3AEC-07AE-62BF-623317582DBD}"/>
-              </a:ext>
-            </a:extLst>
-          </p:cNvPr>
-          <p:cNvSpPr/>
+            <a:ln>
+              <a:solidFill>
+                <a:schemeClr val="bg1">
+                  <a:lumMod val="85000"/>
+                </a:schemeClr>
+              </a:solidFill>
+            </a:ln>
+          </p:spPr>
+          <p:style>
+            <a:lnRef idx="2">
+              <a:schemeClr val="accent1">
+                <a:shade val="15000"/>
+              </a:schemeClr>
+            </a:lnRef>
+            <a:fillRef idx="1">
+              <a:schemeClr val="accent1"/>
+            </a:fillRef>
+            <a:effectRef idx="0">
+              <a:schemeClr val="accent1"/>
+            </a:effectRef>
+            <a:fontRef idx="minor">
+              <a:schemeClr val="lt1"/>
+            </a:fontRef>
+          </p:style>
+          <p:txBody>
+            <a:bodyPr rtlCol="0" anchor="ctr"/>
+            <a:lstStyle/>
+            <a:p>
+              <a:pPr algn="ctr"/>
+              <a:endParaRPr lang="en-IN" dirty="0">
+                <a:solidFill>
+                  <a:schemeClr val="tx1"/>
+                </a:solidFill>
+              </a:endParaRPr>
+            </a:p>
+          </p:txBody>
+        </p:sp>
+        <p:sp>
+          <p:nvSpPr>
+            <p:cNvPr id="25" name="Rectangle: Rounded Corners 24">
+              <a:extLst>
+                <a:ext uri="{FF2B5EF4-FFF2-40B4-BE49-F238E27FC236}">
+                  <a16:creationId xmlns:a16="http://schemas.microsoft.com/office/drawing/2014/main" id="{9FA524B0-4E7B-F424-FD73-FC912D9BBE49}"/>
+                </a:ext>
+              </a:extLst>
+            </p:cNvPr>
+            <p:cNvSpPr/>
+            <p:nvPr/>
+          </p:nvSpPr>
+          <p:spPr>
+            <a:xfrm>
+              <a:off x="4085299" y="5569974"/>
+              <a:ext cx="1253614" cy="349044"/>
+            </a:xfrm>
+            <a:prstGeom prst="roundRect">
+              <a:avLst/>
+            </a:prstGeom>
+            <a:solidFill>
+              <a:srgbClr val="00D7B9"/>
+            </a:solidFill>
+            <a:ln>
+              <a:solidFill>
+                <a:srgbClr val="00D7B9"/>
+              </a:solidFill>
+            </a:ln>
+          </p:spPr>
+          <p:style>
+            <a:lnRef idx="2">
+              <a:schemeClr val="accent1">
+                <a:shade val="15000"/>
+              </a:schemeClr>
+            </a:lnRef>
+            <a:fillRef idx="1">
+              <a:schemeClr val="accent1"/>
+            </a:fillRef>
+            <a:effectRef idx="0">
+              <a:schemeClr val="accent1"/>
+            </a:effectRef>
+            <a:fontRef idx="minor">
+              <a:schemeClr val="lt1"/>
+            </a:fontRef>
+          </p:style>
+          <p:txBody>
+            <a:bodyPr rtlCol="0" anchor="ctr"/>
+            <a:lstStyle/>
+            <a:p>
+              <a:pPr algn="ctr"/>
+              <a:r>
+                <a:rPr lang="en-IN" dirty="0">
+                  <a:solidFill>
+                    <a:schemeClr val="bg1"/>
+                  </a:solidFill>
+                  <a:latin typeface="Calibri" panose="020F0502020204030204" pitchFamily="34" charset="0"/>
+                  <a:ea typeface="Calibri" panose="020F0502020204030204" pitchFamily="34" charset="0"/>
+                  <a:cs typeface="Calibri" panose="020F0502020204030204" pitchFamily="34" charset="0"/>
+                </a:rPr>
+                <a:t>New Entry</a:t>
+              </a:r>
+            </a:p>
+          </p:txBody>
+        </p:sp>
+        <p:sp>
+          <p:nvSpPr>
+            <p:cNvPr id="26" name="Rectangle: Rounded Corners 25">
+              <a:extLst>
+                <a:ext uri="{FF2B5EF4-FFF2-40B4-BE49-F238E27FC236}">
+                  <a16:creationId xmlns:a16="http://schemas.microsoft.com/office/drawing/2014/main" id="{757AD313-974B-A13B-546B-6E4CC6989D7A}"/>
+                </a:ext>
+              </a:extLst>
+            </p:cNvPr>
+            <p:cNvSpPr/>
+            <p:nvPr/>
+          </p:nvSpPr>
+          <p:spPr>
+            <a:xfrm>
+              <a:off x="5476563" y="5569974"/>
+              <a:ext cx="1253614" cy="349044"/>
+            </a:xfrm>
+            <a:prstGeom prst="roundRect">
+              <a:avLst/>
+            </a:prstGeom>
+            <a:solidFill>
+              <a:srgbClr val="00D7B9"/>
+            </a:solidFill>
+            <a:ln>
+              <a:solidFill>
+                <a:srgbClr val="00D7B9"/>
+              </a:solidFill>
+            </a:ln>
+          </p:spPr>
+          <p:style>
+            <a:lnRef idx="2">
+              <a:schemeClr val="accent1">
+                <a:shade val="15000"/>
+              </a:schemeClr>
+            </a:lnRef>
+            <a:fillRef idx="1">
+              <a:schemeClr val="accent1"/>
+            </a:fillRef>
+            <a:effectRef idx="0">
+              <a:schemeClr val="accent1"/>
+            </a:effectRef>
+            <a:fontRef idx="minor">
+              <a:schemeClr val="lt1"/>
+            </a:fontRef>
+          </p:style>
+          <p:txBody>
+            <a:bodyPr rtlCol="0" anchor="ctr"/>
+            <a:lstStyle/>
+            <a:p>
+              <a:pPr algn="ctr"/>
+              <a:r>
+                <a:rPr lang="en-IN" dirty="0">
+                  <a:solidFill>
+                    <a:schemeClr val="bg1"/>
+                  </a:solidFill>
+                  <a:latin typeface="Calibri" panose="020F0502020204030204" pitchFamily="34" charset="0"/>
+                  <a:ea typeface="Calibri" panose="020F0502020204030204" pitchFamily="34" charset="0"/>
+                  <a:cs typeface="Calibri" panose="020F0502020204030204" pitchFamily="34" charset="0"/>
+                </a:rPr>
+                <a:t>Details</a:t>
+              </a:r>
+            </a:p>
+          </p:txBody>
+        </p:sp>
+        <p:sp>
+          <p:nvSpPr>
+            <p:cNvPr id="27" name="Rectangle: Rounded Corners 26">
+              <a:extLst>
+                <a:ext uri="{FF2B5EF4-FFF2-40B4-BE49-F238E27FC236}">
+                  <a16:creationId xmlns:a16="http://schemas.microsoft.com/office/drawing/2014/main" id="{F4439560-C98C-B6D5-5E07-0A675CBAE8A8}"/>
+                </a:ext>
+              </a:extLst>
+            </p:cNvPr>
+            <p:cNvSpPr/>
+            <p:nvPr/>
+          </p:nvSpPr>
+          <p:spPr>
+            <a:xfrm>
+              <a:off x="4712106" y="4960374"/>
+              <a:ext cx="1253614" cy="349044"/>
+            </a:xfrm>
+            <a:prstGeom prst="roundRect">
+              <a:avLst/>
+            </a:prstGeom>
+            <a:noFill/>
+            <a:ln>
+              <a:solidFill>
+                <a:schemeClr val="bg1">
+                  <a:lumMod val="85000"/>
+                </a:schemeClr>
+              </a:solidFill>
+            </a:ln>
+          </p:spPr>
+          <p:style>
+            <a:lnRef idx="2">
+              <a:schemeClr val="accent1">
+                <a:shade val="15000"/>
+              </a:schemeClr>
+            </a:lnRef>
+            <a:fillRef idx="1">
+              <a:schemeClr val="accent1"/>
+            </a:fillRef>
+            <a:effectRef idx="0">
+              <a:schemeClr val="accent1"/>
+            </a:effectRef>
+            <a:fontRef idx="minor">
+              <a:schemeClr val="lt1"/>
+            </a:fontRef>
+          </p:style>
+          <p:txBody>
+            <a:bodyPr rtlCol="0" anchor="ctr"/>
+            <a:lstStyle/>
+            <a:p>
+              <a:pPr algn="ctr"/>
+              <a:r>
+                <a:rPr lang="en-IN" dirty="0">
+                  <a:solidFill>
+                    <a:schemeClr val="tx1"/>
+                  </a:solidFill>
+                  <a:latin typeface="Calibri" panose="020F0502020204030204" pitchFamily="34" charset="0"/>
+                  <a:ea typeface="Calibri" panose="020F0502020204030204" pitchFamily="34" charset="0"/>
+                  <a:cs typeface="Calibri" panose="020F0502020204030204" pitchFamily="34" charset="0"/>
+                </a:rPr>
+                <a:t>ORDERS</a:t>
+              </a:r>
+            </a:p>
+          </p:txBody>
+        </p:sp>
+      </p:grpSp>
+      <p:grpSp>
+        <p:nvGrpSpPr>
+          <p:cNvPr id="29" name="Group 28">
+            <a:extLst>
+              <a:ext uri="{FF2B5EF4-FFF2-40B4-BE49-F238E27FC236}">
+                <a16:creationId xmlns:a16="http://schemas.microsoft.com/office/drawing/2014/main" id="{5F846B8B-4164-5D52-9606-C39D8BF0A273}"/>
+              </a:ext>
+            </a:extLst>
+          </p:cNvPr>
+          <p:cNvGrpSpPr/>
           <p:nvPr/>
-        </p:nvSpPr>
-        <p:spPr>
+        </p:nvGrpSpPr>
+        <p:grpSpPr>
           <a:xfrm>
-            <a:off x="6735097" y="727587"/>
-            <a:ext cx="2782529" cy="1691148"/>
+            <a:off x="8603222" y="2450690"/>
+            <a:ext cx="3264309" cy="1956619"/>
+            <a:chOff x="3751004" y="4527755"/>
+            <a:chExt cx="3264309" cy="1956619"/>
           </a:xfrm>
-          <a:prstGeom prst="roundRect">
-            <a:avLst/>
-          </a:prstGeom>
-          <a:noFill/>
-          <a:ln>
+        </p:grpSpPr>
+        <p:sp>
+          <p:nvSpPr>
+            <p:cNvPr id="30" name="Rectangle: Rounded Corners 29">
+              <a:extLst>
+                <a:ext uri="{FF2B5EF4-FFF2-40B4-BE49-F238E27FC236}">
+                  <a16:creationId xmlns:a16="http://schemas.microsoft.com/office/drawing/2014/main" id="{CB515C6E-D8DE-EA1F-D742-687E0154E432}"/>
+                </a:ext>
+              </a:extLst>
+            </p:cNvPr>
+            <p:cNvSpPr/>
+            <p:nvPr/>
+          </p:nvSpPr>
+          <p:spPr>
+            <a:xfrm>
+              <a:off x="3751004" y="4527755"/>
+              <a:ext cx="3264309" cy="1956619"/>
+            </a:xfrm>
+            <a:prstGeom prst="roundRect">
+              <a:avLst/>
+            </a:prstGeom>
             <a:solidFill>
               <a:schemeClr val="bg1">
-                <a:lumMod val="85000"/>
+                <a:lumMod val="95000"/>
               </a:schemeClr>
             </a:solidFill>
-          </a:ln>
-        </p:spPr>
-        <p:style>
-          <a:lnRef idx="2">
-            <a:schemeClr val="accent1">
-              <a:shade val="15000"/>
-            </a:schemeClr>
-          </a:lnRef>
-          <a:fillRef idx="1">
-            <a:schemeClr val="accent1"/>
-          </a:fillRef>
-          <a:effectRef idx="0">
-            <a:schemeClr val="accent1"/>
-          </a:effectRef>
-          <a:fontRef idx="minor">
-            <a:schemeClr val="lt1"/>
-          </a:fontRef>
-        </p:style>
-        <p:txBody>
-          <a:bodyPr rtlCol="0" anchor="ctr"/>
-          <a:lstStyle/>
-          <a:p>
-            <a:pPr algn="ctr"/>
-            <a:endParaRPr lang="en-IN"/>
-          </a:p>
-        </p:txBody>
-      </p:sp>
+            <a:ln>
+              <a:solidFill>
+                <a:schemeClr val="bg1">
+                  <a:lumMod val="85000"/>
+                </a:schemeClr>
+              </a:solidFill>
+            </a:ln>
+          </p:spPr>
+          <p:style>
+            <a:lnRef idx="2">
+              <a:schemeClr val="accent1">
+                <a:shade val="15000"/>
+              </a:schemeClr>
+            </a:lnRef>
+            <a:fillRef idx="1">
+              <a:schemeClr val="accent1"/>
+            </a:fillRef>
+            <a:effectRef idx="0">
+              <a:schemeClr val="accent1"/>
+            </a:effectRef>
+            <a:fontRef idx="minor">
+              <a:schemeClr val="lt1"/>
+            </a:fontRef>
+          </p:style>
+          <p:txBody>
+            <a:bodyPr rtlCol="0" anchor="ctr"/>
+            <a:lstStyle/>
+            <a:p>
+              <a:pPr algn="ctr"/>
+              <a:endParaRPr lang="en-IN" dirty="0">
+                <a:solidFill>
+                  <a:schemeClr val="tx1"/>
+                </a:solidFill>
+              </a:endParaRPr>
+            </a:p>
+          </p:txBody>
+        </p:sp>
+        <p:sp>
+          <p:nvSpPr>
+            <p:cNvPr id="31" name="Rectangle: Rounded Corners 30">
+              <a:extLst>
+                <a:ext uri="{FF2B5EF4-FFF2-40B4-BE49-F238E27FC236}">
+                  <a16:creationId xmlns:a16="http://schemas.microsoft.com/office/drawing/2014/main" id="{627093AC-5D78-DADA-CD2F-4939777C2BAA}"/>
+                </a:ext>
+              </a:extLst>
+            </p:cNvPr>
+            <p:cNvSpPr/>
+            <p:nvPr/>
+          </p:nvSpPr>
+          <p:spPr>
+            <a:xfrm>
+              <a:off x="4085299" y="5569974"/>
+              <a:ext cx="1253614" cy="349044"/>
+            </a:xfrm>
+            <a:prstGeom prst="roundRect">
+              <a:avLst/>
+            </a:prstGeom>
+            <a:solidFill>
+              <a:srgbClr val="00D7B9"/>
+            </a:solidFill>
+            <a:ln>
+              <a:solidFill>
+                <a:srgbClr val="00D7B9"/>
+              </a:solidFill>
+            </a:ln>
+          </p:spPr>
+          <p:style>
+            <a:lnRef idx="2">
+              <a:schemeClr val="accent1">
+                <a:shade val="15000"/>
+              </a:schemeClr>
+            </a:lnRef>
+            <a:fillRef idx="1">
+              <a:schemeClr val="accent1"/>
+            </a:fillRef>
+            <a:effectRef idx="0">
+              <a:schemeClr val="accent1"/>
+            </a:effectRef>
+            <a:fontRef idx="minor">
+              <a:schemeClr val="lt1"/>
+            </a:fontRef>
+          </p:style>
+          <p:txBody>
+            <a:bodyPr rtlCol="0" anchor="ctr"/>
+            <a:lstStyle/>
+            <a:p>
+              <a:pPr algn="ctr"/>
+              <a:r>
+                <a:rPr lang="en-IN" dirty="0">
+                  <a:solidFill>
+                    <a:schemeClr val="bg1"/>
+                  </a:solidFill>
+                  <a:latin typeface="Calibri" panose="020F0502020204030204" pitchFamily="34" charset="0"/>
+                  <a:ea typeface="Calibri" panose="020F0502020204030204" pitchFamily="34" charset="0"/>
+                  <a:cs typeface="Calibri" panose="020F0502020204030204" pitchFamily="34" charset="0"/>
+                </a:rPr>
+                <a:t>New Entry</a:t>
+              </a:r>
+            </a:p>
+          </p:txBody>
+        </p:sp>
+        <p:sp>
+          <p:nvSpPr>
+            <p:cNvPr id="32" name="Rectangle: Rounded Corners 31">
+              <a:extLst>
+                <a:ext uri="{FF2B5EF4-FFF2-40B4-BE49-F238E27FC236}">
+                  <a16:creationId xmlns:a16="http://schemas.microsoft.com/office/drawing/2014/main" id="{F0944E7D-941E-F187-B95D-DB07AB3BB8E4}"/>
+                </a:ext>
+              </a:extLst>
+            </p:cNvPr>
+            <p:cNvSpPr/>
+            <p:nvPr/>
+          </p:nvSpPr>
+          <p:spPr>
+            <a:xfrm>
+              <a:off x="5476563" y="5569974"/>
+              <a:ext cx="1253614" cy="349044"/>
+            </a:xfrm>
+            <a:prstGeom prst="roundRect">
+              <a:avLst/>
+            </a:prstGeom>
+            <a:solidFill>
+              <a:srgbClr val="00D7B9"/>
+            </a:solidFill>
+            <a:ln>
+              <a:solidFill>
+                <a:srgbClr val="00D7B9"/>
+              </a:solidFill>
+            </a:ln>
+          </p:spPr>
+          <p:style>
+            <a:lnRef idx="2">
+              <a:schemeClr val="accent1">
+                <a:shade val="15000"/>
+              </a:schemeClr>
+            </a:lnRef>
+            <a:fillRef idx="1">
+              <a:schemeClr val="accent1"/>
+            </a:fillRef>
+            <a:effectRef idx="0">
+              <a:schemeClr val="accent1"/>
+            </a:effectRef>
+            <a:fontRef idx="minor">
+              <a:schemeClr val="lt1"/>
+            </a:fontRef>
+          </p:style>
+          <p:txBody>
+            <a:bodyPr rtlCol="0" anchor="ctr"/>
+            <a:lstStyle/>
+            <a:p>
+              <a:pPr algn="ctr"/>
+              <a:r>
+                <a:rPr lang="en-IN" dirty="0">
+                  <a:solidFill>
+                    <a:schemeClr val="bg1"/>
+                  </a:solidFill>
+                  <a:latin typeface="Calibri" panose="020F0502020204030204" pitchFamily="34" charset="0"/>
+                  <a:ea typeface="Calibri" panose="020F0502020204030204" pitchFamily="34" charset="0"/>
+                  <a:cs typeface="Calibri" panose="020F0502020204030204" pitchFamily="34" charset="0"/>
+                </a:rPr>
+                <a:t>DATA</a:t>
+              </a:r>
+            </a:p>
+          </p:txBody>
+        </p:sp>
+        <p:sp>
+          <p:nvSpPr>
+            <p:cNvPr id="33" name="Rectangle: Rounded Corners 32">
+              <a:extLst>
+                <a:ext uri="{FF2B5EF4-FFF2-40B4-BE49-F238E27FC236}">
+                  <a16:creationId xmlns:a16="http://schemas.microsoft.com/office/drawing/2014/main" id="{2A02B820-477C-E918-99B3-B9BCF9109BDF}"/>
+                </a:ext>
+              </a:extLst>
+            </p:cNvPr>
+            <p:cNvSpPr/>
+            <p:nvPr/>
+          </p:nvSpPr>
+          <p:spPr>
+            <a:xfrm>
+              <a:off x="4712106" y="4960374"/>
+              <a:ext cx="1253614" cy="349044"/>
+            </a:xfrm>
+            <a:prstGeom prst="roundRect">
+              <a:avLst/>
+            </a:prstGeom>
+            <a:noFill/>
+            <a:ln>
+              <a:solidFill>
+                <a:schemeClr val="bg1">
+                  <a:lumMod val="85000"/>
+                </a:schemeClr>
+              </a:solidFill>
+            </a:ln>
+          </p:spPr>
+          <p:style>
+            <a:lnRef idx="2">
+              <a:schemeClr val="accent1">
+                <a:shade val="15000"/>
+              </a:schemeClr>
+            </a:lnRef>
+            <a:fillRef idx="1">
+              <a:schemeClr val="accent1"/>
+            </a:fillRef>
+            <a:effectRef idx="0">
+              <a:schemeClr val="accent1"/>
+            </a:effectRef>
+            <a:fontRef idx="minor">
+              <a:schemeClr val="lt1"/>
+            </a:fontRef>
+          </p:style>
+          <p:txBody>
+            <a:bodyPr rtlCol="0" anchor="ctr"/>
+            <a:lstStyle/>
+            <a:p>
+              <a:pPr algn="ctr"/>
+              <a:r>
+                <a:rPr lang="en-IN" dirty="0">
+                  <a:solidFill>
+                    <a:schemeClr val="tx1"/>
+                  </a:solidFill>
+                  <a:latin typeface="Calibri" panose="020F0502020204030204" pitchFamily="34" charset="0"/>
+                  <a:ea typeface="Calibri" panose="020F0502020204030204" pitchFamily="34" charset="0"/>
+                  <a:cs typeface="Calibri" panose="020F0502020204030204" pitchFamily="34" charset="0"/>
+                </a:rPr>
+                <a:t>SUPPLIERS</a:t>
+              </a:r>
+            </a:p>
+          </p:txBody>
+        </p:sp>
+      </p:grpSp>
     </p:spTree>
     <p:extLst>
       <p:ext uri="{BB962C8B-B14F-4D97-AF65-F5344CB8AC3E}">

--- a/design ex..pptx
+++ b/design ex..pptx
@@ -5,12 +5,13 @@
     <p:sldMasterId id="2147483648" r:id="rId1"/>
   </p:sldMasterIdLst>
   <p:notesMasterIdLst>
-    <p:notesMasterId r:id="rId5"/>
+    <p:notesMasterId r:id="rId6"/>
   </p:notesMasterIdLst>
   <p:sldIdLst>
     <p:sldId id="256" r:id="rId2"/>
     <p:sldId id="257" r:id="rId3"/>
     <p:sldId id="258" r:id="rId4"/>
+    <p:sldId id="259" r:id="rId5"/>
   </p:sldIdLst>
   <p:sldSz cx="12192000" cy="6858000"/>
   <p:notesSz cx="6858000" cy="9144000"/>
@@ -199,7 +200,7 @@
           <a:p>
             <a:fld id="{64B69E7C-F0AA-4D71-B4A9-299C9FEFC470}" type="datetimeFigureOut">
               <a:rPr lang="en-IN" smtClean="0"/>
-              <a:t>14-10-2025</a:t>
+              <a:t>15-10-2025</a:t>
             </a:fld>
             <a:endParaRPr lang="en-IN"/>
           </a:p>
@@ -700,7 +701,7 @@
           <a:p>
             <a:fld id="{C21CC959-5C50-46C4-8019-6673AAF2576F}" type="datetimeFigureOut">
               <a:rPr lang="en-IN" smtClean="0"/>
-              <a:t>14-10-2025</a:t>
+              <a:t>15-10-2025</a:t>
             </a:fld>
             <a:endParaRPr lang="en-IN"/>
           </a:p>
@@ -900,7 +901,7 @@
           <a:p>
             <a:fld id="{C21CC959-5C50-46C4-8019-6673AAF2576F}" type="datetimeFigureOut">
               <a:rPr lang="en-IN" smtClean="0"/>
-              <a:t>14-10-2025</a:t>
+              <a:t>15-10-2025</a:t>
             </a:fld>
             <a:endParaRPr lang="en-IN"/>
           </a:p>
@@ -1110,7 +1111,7 @@
           <a:p>
             <a:fld id="{C21CC959-5C50-46C4-8019-6673AAF2576F}" type="datetimeFigureOut">
               <a:rPr lang="en-IN" smtClean="0"/>
-              <a:t>14-10-2025</a:t>
+              <a:t>15-10-2025</a:t>
             </a:fld>
             <a:endParaRPr lang="en-IN"/>
           </a:p>
@@ -1310,7 +1311,7 @@
           <a:p>
             <a:fld id="{C21CC959-5C50-46C4-8019-6673AAF2576F}" type="datetimeFigureOut">
               <a:rPr lang="en-IN" smtClean="0"/>
-              <a:t>14-10-2025</a:t>
+              <a:t>15-10-2025</a:t>
             </a:fld>
             <a:endParaRPr lang="en-IN"/>
           </a:p>
@@ -1586,7 +1587,7 @@
           <a:p>
             <a:fld id="{C21CC959-5C50-46C4-8019-6673AAF2576F}" type="datetimeFigureOut">
               <a:rPr lang="en-IN" smtClean="0"/>
-              <a:t>14-10-2025</a:t>
+              <a:t>15-10-2025</a:t>
             </a:fld>
             <a:endParaRPr lang="en-IN"/>
           </a:p>
@@ -1854,7 +1855,7 @@
           <a:p>
             <a:fld id="{C21CC959-5C50-46C4-8019-6673AAF2576F}" type="datetimeFigureOut">
               <a:rPr lang="en-IN" smtClean="0"/>
-              <a:t>14-10-2025</a:t>
+              <a:t>15-10-2025</a:t>
             </a:fld>
             <a:endParaRPr lang="en-IN"/>
           </a:p>
@@ -2269,7 +2270,7 @@
           <a:p>
             <a:fld id="{C21CC959-5C50-46C4-8019-6673AAF2576F}" type="datetimeFigureOut">
               <a:rPr lang="en-IN" smtClean="0"/>
-              <a:t>14-10-2025</a:t>
+              <a:t>15-10-2025</a:t>
             </a:fld>
             <a:endParaRPr lang="en-IN"/>
           </a:p>
@@ -2411,7 +2412,7 @@
           <a:p>
             <a:fld id="{C21CC959-5C50-46C4-8019-6673AAF2576F}" type="datetimeFigureOut">
               <a:rPr lang="en-IN" smtClean="0"/>
-              <a:t>14-10-2025</a:t>
+              <a:t>15-10-2025</a:t>
             </a:fld>
             <a:endParaRPr lang="en-IN"/>
           </a:p>
@@ -2524,7 +2525,7 @@
           <a:p>
             <a:fld id="{C21CC959-5C50-46C4-8019-6673AAF2576F}" type="datetimeFigureOut">
               <a:rPr lang="en-IN" smtClean="0"/>
-              <a:t>14-10-2025</a:t>
+              <a:t>15-10-2025</a:t>
             </a:fld>
             <a:endParaRPr lang="en-IN"/>
           </a:p>
@@ -2837,7 +2838,7 @@
           <a:p>
             <a:fld id="{C21CC959-5C50-46C4-8019-6673AAF2576F}" type="datetimeFigureOut">
               <a:rPr lang="en-IN" smtClean="0"/>
-              <a:t>14-10-2025</a:t>
+              <a:t>15-10-2025</a:t>
             </a:fld>
             <a:endParaRPr lang="en-IN"/>
           </a:p>
@@ -3126,7 +3127,7 @@
           <a:p>
             <a:fld id="{C21CC959-5C50-46C4-8019-6673AAF2576F}" type="datetimeFigureOut">
               <a:rPr lang="en-IN" smtClean="0"/>
-              <a:t>14-10-2025</a:t>
+              <a:t>15-10-2025</a:t>
             </a:fld>
             <a:endParaRPr lang="en-IN"/>
           </a:p>
@@ -3369,7 +3370,7 @@
           <a:p>
             <a:fld id="{C21CC959-5C50-46C4-8019-6673AAF2576F}" type="datetimeFigureOut">
               <a:rPr lang="en-IN" smtClean="0"/>
-              <a:t>14-10-2025</a:t>
+              <a:t>15-10-2025</a:t>
             </a:fld>
             <a:endParaRPr lang="en-IN"/>
           </a:p>
@@ -5624,6 +5625,36 @@
     <p:extLst>
       <p:ext uri="{BB962C8B-B14F-4D97-AF65-F5344CB8AC3E}">
         <p14:creationId xmlns:p14="http://schemas.microsoft.com/office/powerpoint/2010/main" val="755337358"/>
+      </p:ext>
+    </p:extLst>
+  </p:cSld>
+  <p:clrMapOvr>
+    <a:masterClrMapping/>
+  </p:clrMapOvr>
+</p:sld>
+</file>
+
+<file path=ppt/slides/slide4.xml><?xml version="1.0" encoding="utf-8"?>
+<p:sld xmlns:a="http://schemas.openxmlformats.org/drawingml/2006/main" xmlns:r="http://schemas.openxmlformats.org/officeDocument/2006/relationships" xmlns:p="http://schemas.openxmlformats.org/presentationml/2006/main">
+  <p:cSld>
+    <p:spTree>
+      <p:nvGrpSpPr>
+        <p:cNvPr id="1" name=""/>
+        <p:cNvGrpSpPr/>
+        <p:nvPr/>
+      </p:nvGrpSpPr>
+      <p:grpSpPr>
+        <a:xfrm>
+          <a:off x="0" y="0"/>
+          <a:ext cx="0" cy="0"/>
+          <a:chOff x="0" y="0"/>
+          <a:chExt cx="0" cy="0"/>
+        </a:xfrm>
+      </p:grpSpPr>
+    </p:spTree>
+    <p:extLst>
+      <p:ext uri="{BB962C8B-B14F-4D97-AF65-F5344CB8AC3E}">
+        <p14:creationId xmlns:p14="http://schemas.microsoft.com/office/powerpoint/2010/main" val="1589142585"/>
       </p:ext>
     </p:extLst>
   </p:cSld>

--- a/design ex..pptx
+++ b/design ex..pptx
@@ -200,7 +200,7 @@
           <a:p>
             <a:fld id="{64B69E7C-F0AA-4D71-B4A9-299C9FEFC470}" type="datetimeFigureOut">
               <a:rPr lang="en-IN" smtClean="0"/>
-              <a:t>15-10-2025</a:t>
+              <a:t>18-10-2025</a:t>
             </a:fld>
             <a:endParaRPr lang="en-IN"/>
           </a:p>
@@ -701,7 +701,7 @@
           <a:p>
             <a:fld id="{C21CC959-5C50-46C4-8019-6673AAF2576F}" type="datetimeFigureOut">
               <a:rPr lang="en-IN" smtClean="0"/>
-              <a:t>15-10-2025</a:t>
+              <a:t>18-10-2025</a:t>
             </a:fld>
             <a:endParaRPr lang="en-IN"/>
           </a:p>
@@ -901,7 +901,7 @@
           <a:p>
             <a:fld id="{C21CC959-5C50-46C4-8019-6673AAF2576F}" type="datetimeFigureOut">
               <a:rPr lang="en-IN" smtClean="0"/>
-              <a:t>15-10-2025</a:t>
+              <a:t>18-10-2025</a:t>
             </a:fld>
             <a:endParaRPr lang="en-IN"/>
           </a:p>
@@ -1111,7 +1111,7 @@
           <a:p>
             <a:fld id="{C21CC959-5C50-46C4-8019-6673AAF2576F}" type="datetimeFigureOut">
               <a:rPr lang="en-IN" smtClean="0"/>
-              <a:t>15-10-2025</a:t>
+              <a:t>18-10-2025</a:t>
             </a:fld>
             <a:endParaRPr lang="en-IN"/>
           </a:p>
@@ -1311,7 +1311,7 @@
           <a:p>
             <a:fld id="{C21CC959-5C50-46C4-8019-6673AAF2576F}" type="datetimeFigureOut">
               <a:rPr lang="en-IN" smtClean="0"/>
-              <a:t>15-10-2025</a:t>
+              <a:t>18-10-2025</a:t>
             </a:fld>
             <a:endParaRPr lang="en-IN"/>
           </a:p>
@@ -1587,7 +1587,7 @@
           <a:p>
             <a:fld id="{C21CC959-5C50-46C4-8019-6673AAF2576F}" type="datetimeFigureOut">
               <a:rPr lang="en-IN" smtClean="0"/>
-              <a:t>15-10-2025</a:t>
+              <a:t>18-10-2025</a:t>
             </a:fld>
             <a:endParaRPr lang="en-IN"/>
           </a:p>
@@ -1855,7 +1855,7 @@
           <a:p>
             <a:fld id="{C21CC959-5C50-46C4-8019-6673AAF2576F}" type="datetimeFigureOut">
               <a:rPr lang="en-IN" smtClean="0"/>
-              <a:t>15-10-2025</a:t>
+              <a:t>18-10-2025</a:t>
             </a:fld>
             <a:endParaRPr lang="en-IN"/>
           </a:p>
@@ -2270,7 +2270,7 @@
           <a:p>
             <a:fld id="{C21CC959-5C50-46C4-8019-6673AAF2576F}" type="datetimeFigureOut">
               <a:rPr lang="en-IN" smtClean="0"/>
-              <a:t>15-10-2025</a:t>
+              <a:t>18-10-2025</a:t>
             </a:fld>
             <a:endParaRPr lang="en-IN"/>
           </a:p>
@@ -2412,7 +2412,7 @@
           <a:p>
             <a:fld id="{C21CC959-5C50-46C4-8019-6673AAF2576F}" type="datetimeFigureOut">
               <a:rPr lang="en-IN" smtClean="0"/>
-              <a:t>15-10-2025</a:t>
+              <a:t>18-10-2025</a:t>
             </a:fld>
             <a:endParaRPr lang="en-IN"/>
           </a:p>
@@ -2525,7 +2525,7 @@
           <a:p>
             <a:fld id="{C21CC959-5C50-46C4-8019-6673AAF2576F}" type="datetimeFigureOut">
               <a:rPr lang="en-IN" smtClean="0"/>
-              <a:t>15-10-2025</a:t>
+              <a:t>18-10-2025</a:t>
             </a:fld>
             <a:endParaRPr lang="en-IN"/>
           </a:p>
@@ -2838,7 +2838,7 @@
           <a:p>
             <a:fld id="{C21CC959-5C50-46C4-8019-6673AAF2576F}" type="datetimeFigureOut">
               <a:rPr lang="en-IN" smtClean="0"/>
-              <a:t>15-10-2025</a:t>
+              <a:t>18-10-2025</a:t>
             </a:fld>
             <a:endParaRPr lang="en-IN"/>
           </a:p>
@@ -3127,7 +3127,7 @@
           <a:p>
             <a:fld id="{C21CC959-5C50-46C4-8019-6673AAF2576F}" type="datetimeFigureOut">
               <a:rPr lang="en-IN" smtClean="0"/>
-              <a:t>15-10-2025</a:t>
+              <a:t>18-10-2025</a:t>
             </a:fld>
             <a:endParaRPr lang="en-IN"/>
           </a:p>
@@ -3370,7 +3370,7 @@
           <a:p>
             <a:fld id="{C21CC959-5C50-46C4-8019-6673AAF2576F}" type="datetimeFigureOut">
               <a:rPr lang="en-IN" smtClean="0"/>
-              <a:t>15-10-2025</a:t>
+              <a:t>18-10-2025</a:t>
             </a:fld>
             <a:endParaRPr lang="en-IN"/>
           </a:p>
@@ -5651,6 +5651,266 @@
           <a:chExt cx="0" cy="0"/>
         </a:xfrm>
       </p:grpSpPr>
+      <p:sp>
+        <p:nvSpPr>
+          <p:cNvPr id="2" name="Rectangle: Rounded Corners 1">
+            <a:extLst>
+              <a:ext uri="{FF2B5EF4-FFF2-40B4-BE49-F238E27FC236}">
+                <a16:creationId xmlns:a16="http://schemas.microsoft.com/office/drawing/2014/main" id="{48C42058-7FCE-4A7F-7607-824DDEA6338F}"/>
+              </a:ext>
+            </a:extLst>
+          </p:cNvPr>
+          <p:cNvSpPr/>
+          <p:nvPr/>
+        </p:nvSpPr>
+        <p:spPr>
+          <a:xfrm>
+            <a:off x="491613" y="1356852"/>
+            <a:ext cx="1111044" cy="383458"/>
+          </a:xfrm>
+          <a:prstGeom prst="roundRect">
+            <a:avLst>
+              <a:gd name="adj" fmla="val 37180"/>
+            </a:avLst>
+          </a:prstGeom>
+          <a:solidFill>
+            <a:schemeClr val="bg1"/>
+          </a:solidFill>
+          <a:ln>
+            <a:solidFill>
+              <a:schemeClr val="bg1">
+                <a:lumMod val="85000"/>
+              </a:schemeClr>
+            </a:solidFill>
+          </a:ln>
+        </p:spPr>
+        <p:style>
+          <a:lnRef idx="2">
+            <a:schemeClr val="accent1">
+              <a:shade val="15000"/>
+            </a:schemeClr>
+          </a:lnRef>
+          <a:fillRef idx="1">
+            <a:schemeClr val="accent1"/>
+          </a:fillRef>
+          <a:effectRef idx="0">
+            <a:schemeClr val="accent1"/>
+          </a:effectRef>
+          <a:fontRef idx="minor">
+            <a:schemeClr val="lt1"/>
+          </a:fontRef>
+        </p:style>
+        <p:txBody>
+          <a:bodyPr rtlCol="0" anchor="ctr"/>
+          <a:lstStyle/>
+          <a:p>
+            <a:pPr algn="ctr"/>
+            <a:r>
+              <a:rPr lang="en-IN" dirty="0">
+                <a:solidFill>
+                  <a:schemeClr val="tx1"/>
+                </a:solidFill>
+              </a:rPr>
+              <a:t>S.NO#</a:t>
+            </a:r>
+          </a:p>
+        </p:txBody>
+      </p:sp>
+      <p:sp>
+        <p:nvSpPr>
+          <p:cNvPr id="3" name="Rectangle: Rounded Corners 2">
+            <a:extLst>
+              <a:ext uri="{FF2B5EF4-FFF2-40B4-BE49-F238E27FC236}">
+                <a16:creationId xmlns:a16="http://schemas.microsoft.com/office/drawing/2014/main" id="{BCEB5F37-19E7-0931-6A41-94F00E54BBDE}"/>
+              </a:ext>
+            </a:extLst>
+          </p:cNvPr>
+          <p:cNvSpPr/>
+          <p:nvPr/>
+        </p:nvSpPr>
+        <p:spPr>
+          <a:xfrm>
+            <a:off x="1853381" y="1356852"/>
+            <a:ext cx="1519084" cy="383458"/>
+          </a:xfrm>
+          <a:prstGeom prst="roundRect">
+            <a:avLst>
+              <a:gd name="adj" fmla="val 37180"/>
+            </a:avLst>
+          </a:prstGeom>
+          <a:solidFill>
+            <a:schemeClr val="bg1"/>
+          </a:solidFill>
+          <a:ln>
+            <a:solidFill>
+              <a:schemeClr val="bg1">
+                <a:lumMod val="85000"/>
+              </a:schemeClr>
+            </a:solidFill>
+          </a:ln>
+        </p:spPr>
+        <p:style>
+          <a:lnRef idx="2">
+            <a:schemeClr val="accent1">
+              <a:shade val="15000"/>
+            </a:schemeClr>
+          </a:lnRef>
+          <a:fillRef idx="1">
+            <a:schemeClr val="accent1"/>
+          </a:fillRef>
+          <a:effectRef idx="0">
+            <a:schemeClr val="accent1"/>
+          </a:effectRef>
+          <a:fontRef idx="minor">
+            <a:schemeClr val="lt1"/>
+          </a:fontRef>
+        </p:style>
+        <p:txBody>
+          <a:bodyPr rtlCol="0" anchor="ctr"/>
+          <a:lstStyle/>
+          <a:p>
+            <a:pPr algn="ctr"/>
+            <a:r>
+              <a:rPr lang="en-IN" dirty="0">
+                <a:solidFill>
+                  <a:schemeClr val="tx1"/>
+                </a:solidFill>
+              </a:rPr>
+              <a:t>IMAGE</a:t>
+            </a:r>
+          </a:p>
+        </p:txBody>
+      </p:sp>
+      <p:sp>
+        <p:nvSpPr>
+          <p:cNvPr id="4" name="Rectangle: Rounded Corners 3">
+            <a:extLst>
+              <a:ext uri="{FF2B5EF4-FFF2-40B4-BE49-F238E27FC236}">
+                <a16:creationId xmlns:a16="http://schemas.microsoft.com/office/drawing/2014/main" id="{96CFCDB8-E07E-9F64-6D67-EB28C246D5DA}"/>
+              </a:ext>
+            </a:extLst>
+          </p:cNvPr>
+          <p:cNvSpPr/>
+          <p:nvPr/>
+        </p:nvSpPr>
+        <p:spPr>
+          <a:xfrm>
+            <a:off x="3623188" y="1356852"/>
+            <a:ext cx="2000863" cy="383458"/>
+          </a:xfrm>
+          <a:prstGeom prst="roundRect">
+            <a:avLst>
+              <a:gd name="adj" fmla="val 37180"/>
+            </a:avLst>
+          </a:prstGeom>
+          <a:solidFill>
+            <a:schemeClr val="bg1"/>
+          </a:solidFill>
+          <a:ln>
+            <a:solidFill>
+              <a:schemeClr val="bg1">
+                <a:lumMod val="85000"/>
+              </a:schemeClr>
+            </a:solidFill>
+          </a:ln>
+        </p:spPr>
+        <p:style>
+          <a:lnRef idx="2">
+            <a:schemeClr val="accent1">
+              <a:shade val="15000"/>
+            </a:schemeClr>
+          </a:lnRef>
+          <a:fillRef idx="1">
+            <a:schemeClr val="accent1"/>
+          </a:fillRef>
+          <a:effectRef idx="0">
+            <a:schemeClr val="accent1"/>
+          </a:effectRef>
+          <a:fontRef idx="minor">
+            <a:schemeClr val="lt1"/>
+          </a:fontRef>
+        </p:style>
+        <p:txBody>
+          <a:bodyPr rtlCol="0" anchor="ctr"/>
+          <a:lstStyle/>
+          <a:p>
+            <a:pPr algn="ctr"/>
+            <a:r>
+              <a:rPr lang="en-IN" dirty="0">
+                <a:solidFill>
+                  <a:schemeClr val="tx1"/>
+                </a:solidFill>
+              </a:rPr>
+              <a:t>STYLE/MODLE#</a:t>
+            </a:r>
+          </a:p>
+        </p:txBody>
+      </p:sp>
+      <p:sp>
+        <p:nvSpPr>
+          <p:cNvPr id="5" name="Rectangle: Rounded Corners 4">
+            <a:extLst>
+              <a:ext uri="{FF2B5EF4-FFF2-40B4-BE49-F238E27FC236}">
+                <a16:creationId xmlns:a16="http://schemas.microsoft.com/office/drawing/2014/main" id="{7A37D1D2-3749-AAEF-EE32-85BBF33A31F7}"/>
+              </a:ext>
+            </a:extLst>
+          </p:cNvPr>
+          <p:cNvSpPr/>
+          <p:nvPr/>
+        </p:nvSpPr>
+        <p:spPr>
+          <a:xfrm>
+            <a:off x="5874774" y="1356852"/>
+            <a:ext cx="2000863" cy="383458"/>
+          </a:xfrm>
+          <a:prstGeom prst="roundRect">
+            <a:avLst>
+              <a:gd name="adj" fmla="val 37180"/>
+            </a:avLst>
+          </a:prstGeom>
+          <a:solidFill>
+            <a:schemeClr val="bg1"/>
+          </a:solidFill>
+          <a:ln>
+            <a:solidFill>
+              <a:schemeClr val="bg1">
+                <a:lumMod val="85000"/>
+              </a:schemeClr>
+            </a:solidFill>
+          </a:ln>
+        </p:spPr>
+        <p:style>
+          <a:lnRef idx="2">
+            <a:schemeClr val="accent1">
+              <a:shade val="15000"/>
+            </a:schemeClr>
+          </a:lnRef>
+          <a:fillRef idx="1">
+            <a:schemeClr val="accent1"/>
+          </a:fillRef>
+          <a:effectRef idx="0">
+            <a:schemeClr val="accent1"/>
+          </a:effectRef>
+          <a:fontRef idx="minor">
+            <a:schemeClr val="lt1"/>
+          </a:fontRef>
+        </p:style>
+        <p:txBody>
+          <a:bodyPr rtlCol="0" anchor="ctr"/>
+          <a:lstStyle/>
+          <a:p>
+            <a:pPr algn="ctr"/>
+            <a:r>
+              <a:rPr lang="en-IN" dirty="0">
+                <a:solidFill>
+                  <a:schemeClr val="tx1"/>
+                </a:solidFill>
+              </a:rPr>
+              <a:t>STYLE/MODLE#</a:t>
+            </a:r>
+          </a:p>
+        </p:txBody>
+      </p:sp>
     </p:spTree>
     <p:extLst>
       <p:ext uri="{BB962C8B-B14F-4D97-AF65-F5344CB8AC3E}">

--- a/design ex..pptx
+++ b/design ex..pptx
@@ -200,7 +200,7 @@
           <a:p>
             <a:fld id="{64B69E7C-F0AA-4D71-B4A9-299C9FEFC470}" type="datetimeFigureOut">
               <a:rPr lang="en-IN" smtClean="0"/>
-              <a:t>18-10-2025</a:t>
+              <a:t>27-10-2025</a:t>
             </a:fld>
             <a:endParaRPr lang="en-IN"/>
           </a:p>
@@ -701,7 +701,7 @@
           <a:p>
             <a:fld id="{C21CC959-5C50-46C4-8019-6673AAF2576F}" type="datetimeFigureOut">
               <a:rPr lang="en-IN" smtClean="0"/>
-              <a:t>18-10-2025</a:t>
+              <a:t>27-10-2025</a:t>
             </a:fld>
             <a:endParaRPr lang="en-IN"/>
           </a:p>
@@ -901,7 +901,7 @@
           <a:p>
             <a:fld id="{C21CC959-5C50-46C4-8019-6673AAF2576F}" type="datetimeFigureOut">
               <a:rPr lang="en-IN" smtClean="0"/>
-              <a:t>18-10-2025</a:t>
+              <a:t>27-10-2025</a:t>
             </a:fld>
             <a:endParaRPr lang="en-IN"/>
           </a:p>
@@ -1111,7 +1111,7 @@
           <a:p>
             <a:fld id="{C21CC959-5C50-46C4-8019-6673AAF2576F}" type="datetimeFigureOut">
               <a:rPr lang="en-IN" smtClean="0"/>
-              <a:t>18-10-2025</a:t>
+              <a:t>27-10-2025</a:t>
             </a:fld>
             <a:endParaRPr lang="en-IN"/>
           </a:p>
@@ -1311,7 +1311,7 @@
           <a:p>
             <a:fld id="{C21CC959-5C50-46C4-8019-6673AAF2576F}" type="datetimeFigureOut">
               <a:rPr lang="en-IN" smtClean="0"/>
-              <a:t>18-10-2025</a:t>
+              <a:t>27-10-2025</a:t>
             </a:fld>
             <a:endParaRPr lang="en-IN"/>
           </a:p>
@@ -1587,7 +1587,7 @@
           <a:p>
             <a:fld id="{C21CC959-5C50-46C4-8019-6673AAF2576F}" type="datetimeFigureOut">
               <a:rPr lang="en-IN" smtClean="0"/>
-              <a:t>18-10-2025</a:t>
+              <a:t>27-10-2025</a:t>
             </a:fld>
             <a:endParaRPr lang="en-IN"/>
           </a:p>
@@ -1855,7 +1855,7 @@
           <a:p>
             <a:fld id="{C21CC959-5C50-46C4-8019-6673AAF2576F}" type="datetimeFigureOut">
               <a:rPr lang="en-IN" smtClean="0"/>
-              <a:t>18-10-2025</a:t>
+              <a:t>27-10-2025</a:t>
             </a:fld>
             <a:endParaRPr lang="en-IN"/>
           </a:p>
@@ -2270,7 +2270,7 @@
           <a:p>
             <a:fld id="{C21CC959-5C50-46C4-8019-6673AAF2576F}" type="datetimeFigureOut">
               <a:rPr lang="en-IN" smtClean="0"/>
-              <a:t>18-10-2025</a:t>
+              <a:t>27-10-2025</a:t>
             </a:fld>
             <a:endParaRPr lang="en-IN"/>
           </a:p>
@@ -2412,7 +2412,7 @@
           <a:p>
             <a:fld id="{C21CC959-5C50-46C4-8019-6673AAF2576F}" type="datetimeFigureOut">
               <a:rPr lang="en-IN" smtClean="0"/>
-              <a:t>18-10-2025</a:t>
+              <a:t>27-10-2025</a:t>
             </a:fld>
             <a:endParaRPr lang="en-IN"/>
           </a:p>
@@ -2525,7 +2525,7 @@
           <a:p>
             <a:fld id="{C21CC959-5C50-46C4-8019-6673AAF2576F}" type="datetimeFigureOut">
               <a:rPr lang="en-IN" smtClean="0"/>
-              <a:t>18-10-2025</a:t>
+              <a:t>27-10-2025</a:t>
             </a:fld>
             <a:endParaRPr lang="en-IN"/>
           </a:p>
@@ -2838,7 +2838,7 @@
           <a:p>
             <a:fld id="{C21CC959-5C50-46C4-8019-6673AAF2576F}" type="datetimeFigureOut">
               <a:rPr lang="en-IN" smtClean="0"/>
-              <a:t>18-10-2025</a:t>
+              <a:t>27-10-2025</a:t>
             </a:fld>
             <a:endParaRPr lang="en-IN"/>
           </a:p>
@@ -3127,7 +3127,7 @@
           <a:p>
             <a:fld id="{C21CC959-5C50-46C4-8019-6673AAF2576F}" type="datetimeFigureOut">
               <a:rPr lang="en-IN" smtClean="0"/>
-              <a:t>18-10-2025</a:t>
+              <a:t>27-10-2025</a:t>
             </a:fld>
             <a:endParaRPr lang="en-IN"/>
           </a:p>
@@ -3370,7 +3370,7 @@
           <a:p>
             <a:fld id="{C21CC959-5C50-46C4-8019-6673AAF2576F}" type="datetimeFigureOut">
               <a:rPr lang="en-IN" smtClean="0"/>
-              <a:t>18-10-2025</a:t>
+              <a:t>27-10-2025</a:t>
             </a:fld>
             <a:endParaRPr lang="en-IN"/>
           </a:p>
@@ -5653,10 +5653,10 @@
       </p:grpSpPr>
       <p:sp>
         <p:nvSpPr>
-          <p:cNvPr id="2" name="Rectangle: Rounded Corners 1">
-            <a:extLst>
-              <a:ext uri="{FF2B5EF4-FFF2-40B4-BE49-F238E27FC236}">
-                <a16:creationId xmlns:a16="http://schemas.microsoft.com/office/drawing/2014/main" id="{48C42058-7FCE-4A7F-7607-824DDEA6338F}"/>
+          <p:cNvPr id="6" name="Rectangle: Rounded Corners 5">
+            <a:extLst>
+              <a:ext uri="{FF2B5EF4-FFF2-40B4-BE49-F238E27FC236}">
+                <a16:creationId xmlns:a16="http://schemas.microsoft.com/office/drawing/2014/main" id="{9A076AF5-356A-E3BE-530C-370D4C7624B7}"/>
               </a:ext>
             </a:extLst>
           </p:cNvPr>
@@ -5665,17 +5665,345 @@
         </p:nvSpPr>
         <p:spPr>
           <a:xfrm>
-            <a:off x="491613" y="1356852"/>
-            <a:ext cx="1111044" cy="383458"/>
+            <a:off x="457937" y="1432806"/>
+            <a:ext cx="2226269" cy="4574704"/>
           </a:xfrm>
           <a:prstGeom prst="roundRect">
-            <a:avLst>
-              <a:gd name="adj" fmla="val 37180"/>
-            </a:avLst>
+            <a:avLst/>
           </a:prstGeom>
-          <a:solidFill>
-            <a:schemeClr val="bg1"/>
-          </a:solidFill>
+          <a:noFill/>
+          <a:ln>
+            <a:solidFill>
+              <a:schemeClr val="bg1">
+                <a:lumMod val="75000"/>
+              </a:schemeClr>
+            </a:solidFill>
+          </a:ln>
+          <a:effectLst>
+            <a:outerShdw blurRad="50800" dist="38100" dir="2700000" algn="tl" rotWithShape="0">
+              <a:prstClr val="black">
+                <a:alpha val="40000"/>
+              </a:prstClr>
+            </a:outerShdw>
+            <a:reflection blurRad="6350" stA="50000" endA="300" endPos="90000" dist="50800" dir="5400000" sy="-100000" algn="bl" rotWithShape="0"/>
+          </a:effectLst>
+          <a:scene3d>
+            <a:camera prst="orthographicFront"/>
+            <a:lightRig rig="threePt" dir="t"/>
+          </a:scene3d>
+          <a:sp3d>
+            <a:bevelT w="165100" prst="coolSlant"/>
+          </a:sp3d>
+        </p:spPr>
+        <p:style>
+          <a:lnRef idx="2">
+            <a:schemeClr val="accent1">
+              <a:shade val="15000"/>
+            </a:schemeClr>
+          </a:lnRef>
+          <a:fillRef idx="1">
+            <a:schemeClr val="accent1"/>
+          </a:fillRef>
+          <a:effectRef idx="0">
+            <a:schemeClr val="accent1"/>
+          </a:effectRef>
+          <a:fontRef idx="minor">
+            <a:schemeClr val="lt1"/>
+          </a:fontRef>
+        </p:style>
+        <p:txBody>
+          <a:bodyPr rtlCol="0" anchor="t"/>
+          <a:lstStyle>
+            <a:lvl1pPr marL="0" indent="0">
+              <a:defRPr sz="1100">
+                <a:solidFill>
+                  <a:schemeClr val="lt1"/>
+                </a:solidFill>
+                <a:latin typeface="+mn-lt"/>
+                <a:ea typeface="+mn-ea"/>
+                <a:cs typeface="+mn-cs"/>
+              </a:defRPr>
+            </a:lvl1pPr>
+            <a:lvl2pPr marL="457200" indent="0">
+              <a:defRPr sz="1100">
+                <a:solidFill>
+                  <a:schemeClr val="lt1"/>
+                </a:solidFill>
+                <a:latin typeface="+mn-lt"/>
+                <a:ea typeface="+mn-ea"/>
+                <a:cs typeface="+mn-cs"/>
+              </a:defRPr>
+            </a:lvl2pPr>
+            <a:lvl3pPr marL="914400" indent="0">
+              <a:defRPr sz="1100">
+                <a:solidFill>
+                  <a:schemeClr val="lt1"/>
+                </a:solidFill>
+                <a:latin typeface="+mn-lt"/>
+                <a:ea typeface="+mn-ea"/>
+                <a:cs typeface="+mn-cs"/>
+              </a:defRPr>
+            </a:lvl3pPr>
+            <a:lvl4pPr marL="1371600" indent="0">
+              <a:defRPr sz="1100">
+                <a:solidFill>
+                  <a:schemeClr val="lt1"/>
+                </a:solidFill>
+                <a:latin typeface="+mn-lt"/>
+                <a:ea typeface="+mn-ea"/>
+                <a:cs typeface="+mn-cs"/>
+              </a:defRPr>
+            </a:lvl4pPr>
+            <a:lvl5pPr marL="1828800" indent="0">
+              <a:defRPr sz="1100">
+                <a:solidFill>
+                  <a:schemeClr val="lt1"/>
+                </a:solidFill>
+                <a:latin typeface="+mn-lt"/>
+                <a:ea typeface="+mn-ea"/>
+                <a:cs typeface="+mn-cs"/>
+              </a:defRPr>
+            </a:lvl5pPr>
+            <a:lvl6pPr marL="2286000" indent="0">
+              <a:defRPr sz="1100">
+                <a:solidFill>
+                  <a:schemeClr val="lt1"/>
+                </a:solidFill>
+                <a:latin typeface="+mn-lt"/>
+                <a:ea typeface="+mn-ea"/>
+                <a:cs typeface="+mn-cs"/>
+              </a:defRPr>
+            </a:lvl6pPr>
+            <a:lvl7pPr marL="2743200" indent="0">
+              <a:defRPr sz="1100">
+                <a:solidFill>
+                  <a:schemeClr val="lt1"/>
+                </a:solidFill>
+                <a:latin typeface="+mn-lt"/>
+                <a:ea typeface="+mn-ea"/>
+                <a:cs typeface="+mn-cs"/>
+              </a:defRPr>
+            </a:lvl7pPr>
+            <a:lvl8pPr marL="3200400" indent="0">
+              <a:defRPr sz="1100">
+                <a:solidFill>
+                  <a:schemeClr val="lt1"/>
+                </a:solidFill>
+                <a:latin typeface="+mn-lt"/>
+                <a:ea typeface="+mn-ea"/>
+                <a:cs typeface="+mn-cs"/>
+              </a:defRPr>
+            </a:lvl8pPr>
+            <a:lvl9pPr marL="3657600" indent="0">
+              <a:defRPr sz="1100">
+                <a:solidFill>
+                  <a:schemeClr val="lt1"/>
+                </a:solidFill>
+                <a:latin typeface="+mn-lt"/>
+                <a:ea typeface="+mn-ea"/>
+                <a:cs typeface="+mn-cs"/>
+              </a:defRPr>
+            </a:lvl9pPr>
+          </a:lstStyle>
+          <a:p>
+            <a:pPr algn="ctr"/>
+            <a:endParaRPr lang="en-IN" sz="1400" kern="1200" dirty="0">
+              <a:solidFill>
+                <a:sysClr val="windowText" lastClr="000000"/>
+              </a:solidFill>
+              <a:latin typeface="Poppins Black" panose="00000A00000000000000" pitchFamily="2" charset="0"/>
+              <a:cs typeface="Poppins Black" panose="00000A00000000000000" pitchFamily="2" charset="0"/>
+            </a:endParaRPr>
+          </a:p>
+        </p:txBody>
+      </p:sp>
+      <p:sp>
+        <p:nvSpPr>
+          <p:cNvPr id="7" name="Rectangle: Rounded Corners 6">
+            <a:extLst>
+              <a:ext uri="{FF2B5EF4-FFF2-40B4-BE49-F238E27FC236}">
+                <a16:creationId xmlns:a16="http://schemas.microsoft.com/office/drawing/2014/main" id="{970899EC-B3BF-FB19-89F7-D6D8761CCF5C}"/>
+              </a:ext>
+            </a:extLst>
+          </p:cNvPr>
+          <p:cNvSpPr/>
+          <p:nvPr/>
+        </p:nvSpPr>
+        <p:spPr>
+          <a:xfrm rot="5400000">
+            <a:off x="2899165" y="-2498747"/>
+            <a:ext cx="6266590" cy="11855493"/>
+          </a:xfrm>
+          <a:prstGeom prst="roundRect">
+            <a:avLst/>
+          </a:prstGeom>
+          <a:noFill/>
+          <a:ln>
+            <a:solidFill>
+              <a:schemeClr val="bg1">
+                <a:lumMod val="75000"/>
+              </a:schemeClr>
+            </a:solidFill>
+          </a:ln>
+          <a:effectLst>
+            <a:outerShdw blurRad="50800" dist="38100" dir="2700000" algn="tl" rotWithShape="0">
+              <a:prstClr val="black">
+                <a:alpha val="40000"/>
+              </a:prstClr>
+            </a:outerShdw>
+            <a:reflection blurRad="6350" stA="50000" endA="300" endPos="90000" dist="50800" dir="5400000" sy="-100000" algn="bl" rotWithShape="0"/>
+          </a:effectLst>
+          <a:scene3d>
+            <a:camera prst="orthographicFront"/>
+            <a:lightRig rig="threePt" dir="t"/>
+          </a:scene3d>
+          <a:sp3d>
+            <a:bevelT w="165100" prst="coolSlant"/>
+          </a:sp3d>
+        </p:spPr>
+        <p:style>
+          <a:lnRef idx="2">
+            <a:schemeClr val="accent1">
+              <a:shade val="15000"/>
+            </a:schemeClr>
+          </a:lnRef>
+          <a:fillRef idx="1">
+            <a:schemeClr val="accent1"/>
+          </a:fillRef>
+          <a:effectRef idx="0">
+            <a:schemeClr val="accent1"/>
+          </a:effectRef>
+          <a:fontRef idx="minor">
+            <a:schemeClr val="lt1"/>
+          </a:fontRef>
+        </p:style>
+        <p:txBody>
+          <a:bodyPr rtlCol="0" anchor="t"/>
+          <a:lstStyle>
+            <a:lvl1pPr marL="0" indent="0">
+              <a:defRPr sz="1100">
+                <a:solidFill>
+                  <a:schemeClr val="lt1"/>
+                </a:solidFill>
+                <a:latin typeface="+mn-lt"/>
+                <a:ea typeface="+mn-ea"/>
+                <a:cs typeface="+mn-cs"/>
+              </a:defRPr>
+            </a:lvl1pPr>
+            <a:lvl2pPr marL="457200" indent="0">
+              <a:defRPr sz="1100">
+                <a:solidFill>
+                  <a:schemeClr val="lt1"/>
+                </a:solidFill>
+                <a:latin typeface="+mn-lt"/>
+                <a:ea typeface="+mn-ea"/>
+                <a:cs typeface="+mn-cs"/>
+              </a:defRPr>
+            </a:lvl2pPr>
+            <a:lvl3pPr marL="914400" indent="0">
+              <a:defRPr sz="1100">
+                <a:solidFill>
+                  <a:schemeClr val="lt1"/>
+                </a:solidFill>
+                <a:latin typeface="+mn-lt"/>
+                <a:ea typeface="+mn-ea"/>
+                <a:cs typeface="+mn-cs"/>
+              </a:defRPr>
+            </a:lvl3pPr>
+            <a:lvl4pPr marL="1371600" indent="0">
+              <a:defRPr sz="1100">
+                <a:solidFill>
+                  <a:schemeClr val="lt1"/>
+                </a:solidFill>
+                <a:latin typeface="+mn-lt"/>
+                <a:ea typeface="+mn-ea"/>
+                <a:cs typeface="+mn-cs"/>
+              </a:defRPr>
+            </a:lvl4pPr>
+            <a:lvl5pPr marL="1828800" indent="0">
+              <a:defRPr sz="1100">
+                <a:solidFill>
+                  <a:schemeClr val="lt1"/>
+                </a:solidFill>
+                <a:latin typeface="+mn-lt"/>
+                <a:ea typeface="+mn-ea"/>
+                <a:cs typeface="+mn-cs"/>
+              </a:defRPr>
+            </a:lvl5pPr>
+            <a:lvl6pPr marL="2286000" indent="0">
+              <a:defRPr sz="1100">
+                <a:solidFill>
+                  <a:schemeClr val="lt1"/>
+                </a:solidFill>
+                <a:latin typeface="+mn-lt"/>
+                <a:ea typeface="+mn-ea"/>
+                <a:cs typeface="+mn-cs"/>
+              </a:defRPr>
+            </a:lvl6pPr>
+            <a:lvl7pPr marL="2743200" indent="0">
+              <a:defRPr sz="1100">
+                <a:solidFill>
+                  <a:schemeClr val="lt1"/>
+                </a:solidFill>
+                <a:latin typeface="+mn-lt"/>
+                <a:ea typeface="+mn-ea"/>
+                <a:cs typeface="+mn-cs"/>
+              </a:defRPr>
+            </a:lvl7pPr>
+            <a:lvl8pPr marL="3200400" indent="0">
+              <a:defRPr sz="1100">
+                <a:solidFill>
+                  <a:schemeClr val="lt1"/>
+                </a:solidFill>
+                <a:latin typeface="+mn-lt"/>
+                <a:ea typeface="+mn-ea"/>
+                <a:cs typeface="+mn-cs"/>
+              </a:defRPr>
+            </a:lvl8pPr>
+            <a:lvl9pPr marL="3657600" indent="0">
+              <a:defRPr sz="1100">
+                <a:solidFill>
+                  <a:schemeClr val="lt1"/>
+                </a:solidFill>
+                <a:latin typeface="+mn-lt"/>
+                <a:ea typeface="+mn-ea"/>
+                <a:cs typeface="+mn-cs"/>
+              </a:defRPr>
+            </a:lvl9pPr>
+          </a:lstStyle>
+          <a:p>
+            <a:pPr algn="ctr"/>
+            <a:endParaRPr lang="en-IN" sz="1400" kern="1200" dirty="0">
+              <a:solidFill>
+                <a:sysClr val="windowText" lastClr="000000"/>
+              </a:solidFill>
+              <a:latin typeface="Poppins Black" panose="00000A00000000000000" pitchFamily="2" charset="0"/>
+              <a:cs typeface="Poppins Black" panose="00000A00000000000000" pitchFamily="2" charset="0"/>
+            </a:endParaRPr>
+          </a:p>
+        </p:txBody>
+      </p:sp>
+      <p:sp>
+        <p:nvSpPr>
+          <p:cNvPr id="8" name="Rectangle: Rounded Corners 7">
+            <a:extLst>
+              <a:ext uri="{FF2B5EF4-FFF2-40B4-BE49-F238E27FC236}">
+                <a16:creationId xmlns:a16="http://schemas.microsoft.com/office/drawing/2014/main" id="{AB679421-1506-E4FD-E2F5-5EA5E3739D91}"/>
+              </a:ext>
+            </a:extLst>
+          </p:cNvPr>
+          <p:cNvSpPr/>
+          <p:nvPr/>
+        </p:nvSpPr>
+        <p:spPr>
+          <a:xfrm>
+            <a:off x="599768" y="2020527"/>
+            <a:ext cx="1836541" cy="496531"/>
+          </a:xfrm>
+          <a:prstGeom prst="roundRect">
+            <a:avLst/>
+          </a:prstGeom>
+          <a:noFill/>
           <a:ln>
             <a:solidFill>
               <a:schemeClr val="bg1">
@@ -5706,22 +6034,27 @@
           <a:p>
             <a:pPr algn="ctr"/>
             <a:r>
-              <a:rPr lang="en-IN" dirty="0">
+              <a:rPr lang="en-US" b="1" dirty="0">
                 <a:solidFill>
                   <a:schemeClr val="tx1"/>
                 </a:solidFill>
               </a:rPr>
-              <a:t>S.NO#</a:t>
-            </a:r>
-          </a:p>
-        </p:txBody>
-      </p:sp>
-      <p:sp>
-        <p:nvSpPr>
-          <p:cNvPr id="3" name="Rectangle: Rounded Corners 2">
-            <a:extLst>
-              <a:ext uri="{FF2B5EF4-FFF2-40B4-BE49-F238E27FC236}">
-                <a16:creationId xmlns:a16="http://schemas.microsoft.com/office/drawing/2014/main" id="{BCEB5F37-19E7-0931-6A41-94F00E54BBDE}"/>
+              <a:t>INQUIRIES      </a:t>
+            </a:r>
+            <a:endParaRPr lang="en-IN" b="1" dirty="0">
+              <a:solidFill>
+                <a:schemeClr val="tx1"/>
+              </a:solidFill>
+            </a:endParaRPr>
+          </a:p>
+        </p:txBody>
+      </p:sp>
+      <p:sp>
+        <p:nvSpPr>
+          <p:cNvPr id="9" name="Flowchart: Merge 8">
+            <a:extLst>
+              <a:ext uri="{FF2B5EF4-FFF2-40B4-BE49-F238E27FC236}">
+                <a16:creationId xmlns:a16="http://schemas.microsoft.com/office/drawing/2014/main" id="{0B807FE7-2F08-C27E-2C50-14B0BAC6C2BE}"/>
               </a:ext>
             </a:extLst>
           </p:cNvPr>
@@ -5730,17 +6063,59 @@
         </p:nvSpPr>
         <p:spPr>
           <a:xfrm>
-            <a:off x="1853381" y="1356852"/>
-            <a:ext cx="1519084" cy="383458"/>
+            <a:off x="2153265" y="2164325"/>
+            <a:ext cx="205432" cy="208933"/>
+          </a:xfrm>
+          <a:prstGeom prst="flowChartMerge">
+            <a:avLst/>
+          </a:prstGeom>
+        </p:spPr>
+        <p:style>
+          <a:lnRef idx="2">
+            <a:schemeClr val="accent1">
+              <a:shade val="15000"/>
+            </a:schemeClr>
+          </a:lnRef>
+          <a:fillRef idx="1">
+            <a:schemeClr val="accent1"/>
+          </a:fillRef>
+          <a:effectRef idx="0">
+            <a:schemeClr val="accent1"/>
+          </a:effectRef>
+          <a:fontRef idx="minor">
+            <a:schemeClr val="lt1"/>
+          </a:fontRef>
+        </p:style>
+        <p:txBody>
+          <a:bodyPr rtlCol="0" anchor="ctr"/>
+          <a:lstStyle/>
+          <a:p>
+            <a:pPr algn="ctr"/>
+            <a:endParaRPr lang="en-IN"/>
+          </a:p>
+        </p:txBody>
+      </p:sp>
+      <p:sp>
+        <p:nvSpPr>
+          <p:cNvPr id="10" name="Rectangle: Rounded Corners 9">
+            <a:extLst>
+              <a:ext uri="{FF2B5EF4-FFF2-40B4-BE49-F238E27FC236}">
+                <a16:creationId xmlns:a16="http://schemas.microsoft.com/office/drawing/2014/main" id="{30D03BAE-34CF-61A8-EA36-39FC47E2CC5A}"/>
+              </a:ext>
+            </a:extLst>
+          </p:cNvPr>
+          <p:cNvSpPr/>
+          <p:nvPr/>
+        </p:nvSpPr>
+        <p:spPr>
+          <a:xfrm>
+            <a:off x="599768" y="3223997"/>
+            <a:ext cx="1836541" cy="496531"/>
           </a:xfrm>
           <a:prstGeom prst="roundRect">
-            <a:avLst>
-              <a:gd name="adj" fmla="val 37180"/>
-            </a:avLst>
+            <a:avLst/>
           </a:prstGeom>
-          <a:solidFill>
-            <a:schemeClr val="bg1"/>
-          </a:solidFill>
+          <a:noFill/>
           <a:ln>
             <a:solidFill>
               <a:schemeClr val="bg1">
@@ -5771,22 +6146,27 @@
           <a:p>
             <a:pPr algn="ctr"/>
             <a:r>
-              <a:rPr lang="en-IN" dirty="0">
+              <a:rPr lang="en-US" b="1" dirty="0">
                 <a:solidFill>
                   <a:schemeClr val="tx1"/>
                 </a:solidFill>
               </a:rPr>
-              <a:t>IMAGE</a:t>
-            </a:r>
-          </a:p>
-        </p:txBody>
-      </p:sp>
-      <p:sp>
-        <p:nvSpPr>
-          <p:cNvPr id="4" name="Rectangle: Rounded Corners 3">
-            <a:extLst>
-              <a:ext uri="{FF2B5EF4-FFF2-40B4-BE49-F238E27FC236}">
-                <a16:creationId xmlns:a16="http://schemas.microsoft.com/office/drawing/2014/main" id="{96CFCDB8-E07E-9F64-6D67-EB28C246D5DA}"/>
+              <a:t>SUPPLIERS</a:t>
+            </a:r>
+            <a:endParaRPr lang="en-IN" b="1" dirty="0">
+              <a:solidFill>
+                <a:schemeClr val="tx1"/>
+              </a:solidFill>
+            </a:endParaRPr>
+          </a:p>
+        </p:txBody>
+      </p:sp>
+      <p:sp>
+        <p:nvSpPr>
+          <p:cNvPr id="11" name="Flowchart: Merge 10">
+            <a:extLst>
+              <a:ext uri="{FF2B5EF4-FFF2-40B4-BE49-F238E27FC236}">
+                <a16:creationId xmlns:a16="http://schemas.microsoft.com/office/drawing/2014/main" id="{DC77CB96-7D52-9233-A760-DB5D4580FA39}"/>
               </a:ext>
             </a:extLst>
           </p:cNvPr>
@@ -5795,17 +6175,59 @@
         </p:nvSpPr>
         <p:spPr>
           <a:xfrm>
-            <a:off x="3623188" y="1356852"/>
-            <a:ext cx="2000863" cy="383458"/>
+            <a:off x="2153265" y="3367795"/>
+            <a:ext cx="205432" cy="208933"/>
+          </a:xfrm>
+          <a:prstGeom prst="flowChartMerge">
+            <a:avLst/>
+          </a:prstGeom>
+        </p:spPr>
+        <p:style>
+          <a:lnRef idx="2">
+            <a:schemeClr val="accent1">
+              <a:shade val="15000"/>
+            </a:schemeClr>
+          </a:lnRef>
+          <a:fillRef idx="1">
+            <a:schemeClr val="accent1"/>
+          </a:fillRef>
+          <a:effectRef idx="0">
+            <a:schemeClr val="accent1"/>
+          </a:effectRef>
+          <a:fontRef idx="minor">
+            <a:schemeClr val="lt1"/>
+          </a:fontRef>
+        </p:style>
+        <p:txBody>
+          <a:bodyPr rtlCol="0" anchor="ctr"/>
+          <a:lstStyle/>
+          <a:p>
+            <a:pPr algn="ctr"/>
+            <a:endParaRPr lang="en-IN"/>
+          </a:p>
+        </p:txBody>
+      </p:sp>
+      <p:sp>
+        <p:nvSpPr>
+          <p:cNvPr id="12" name="Rectangle: Rounded Corners 11">
+            <a:extLst>
+              <a:ext uri="{FF2B5EF4-FFF2-40B4-BE49-F238E27FC236}">
+                <a16:creationId xmlns:a16="http://schemas.microsoft.com/office/drawing/2014/main" id="{F1423EA5-D9C2-DEA6-8BA8-3A82CC409645}"/>
+              </a:ext>
+            </a:extLst>
+          </p:cNvPr>
+          <p:cNvSpPr/>
+          <p:nvPr/>
+        </p:nvSpPr>
+        <p:spPr>
+          <a:xfrm>
+            <a:off x="599768" y="4465564"/>
+            <a:ext cx="1836541" cy="496531"/>
           </a:xfrm>
           <a:prstGeom prst="roundRect">
-            <a:avLst>
-              <a:gd name="adj" fmla="val 37180"/>
-            </a:avLst>
+            <a:avLst/>
           </a:prstGeom>
-          <a:solidFill>
-            <a:schemeClr val="bg1"/>
-          </a:solidFill>
+          <a:noFill/>
           <a:ln>
             <a:solidFill>
               <a:schemeClr val="bg1">
@@ -5836,22 +6258,27 @@
           <a:p>
             <a:pPr algn="ctr"/>
             <a:r>
-              <a:rPr lang="en-IN" dirty="0">
+              <a:rPr lang="en-US" b="1" dirty="0">
                 <a:solidFill>
                   <a:schemeClr val="tx1"/>
                 </a:solidFill>
               </a:rPr>
-              <a:t>STYLE/MODLE#</a:t>
-            </a:r>
-          </a:p>
-        </p:txBody>
-      </p:sp>
-      <p:sp>
-        <p:nvSpPr>
-          <p:cNvPr id="5" name="Rectangle: Rounded Corners 4">
-            <a:extLst>
-              <a:ext uri="{FF2B5EF4-FFF2-40B4-BE49-F238E27FC236}">
-                <a16:creationId xmlns:a16="http://schemas.microsoft.com/office/drawing/2014/main" id="{7A37D1D2-3749-AAEF-EE32-85BBF33A31F7}"/>
+              <a:t>ORDERS</a:t>
+            </a:r>
+            <a:endParaRPr lang="en-IN" b="1" dirty="0">
+              <a:solidFill>
+                <a:schemeClr val="tx1"/>
+              </a:solidFill>
+            </a:endParaRPr>
+          </a:p>
+        </p:txBody>
+      </p:sp>
+      <p:sp>
+        <p:nvSpPr>
+          <p:cNvPr id="13" name="Flowchart: Merge 12">
+            <a:extLst>
+              <a:ext uri="{FF2B5EF4-FFF2-40B4-BE49-F238E27FC236}">
+                <a16:creationId xmlns:a16="http://schemas.microsoft.com/office/drawing/2014/main" id="{2F14AF28-EDDE-7431-9BD9-63C2D5056808}"/>
               </a:ext>
             </a:extLst>
           </p:cNvPr>
@@ -5860,24 +6287,12 @@
         </p:nvSpPr>
         <p:spPr>
           <a:xfrm>
-            <a:off x="5874774" y="1356852"/>
-            <a:ext cx="2000863" cy="383458"/>
+            <a:off x="2153265" y="4609362"/>
+            <a:ext cx="205432" cy="208933"/>
           </a:xfrm>
-          <a:prstGeom prst="roundRect">
-            <a:avLst>
-              <a:gd name="adj" fmla="val 37180"/>
-            </a:avLst>
+          <a:prstGeom prst="flowChartMerge">
+            <a:avLst/>
           </a:prstGeom>
-          <a:solidFill>
-            <a:schemeClr val="bg1"/>
-          </a:solidFill>
-          <a:ln>
-            <a:solidFill>
-              <a:schemeClr val="bg1">
-                <a:lumMod val="85000"/>
-              </a:schemeClr>
-            </a:solidFill>
-          </a:ln>
         </p:spPr>
         <p:style>
           <a:lnRef idx="2">
@@ -5900,17 +6315,76 @@
           <a:lstStyle/>
           <a:p>
             <a:pPr algn="ctr"/>
-            <a:r>
-              <a:rPr lang="en-IN" dirty="0">
-                <a:solidFill>
-                  <a:schemeClr val="tx1"/>
-                </a:solidFill>
-              </a:rPr>
-              <a:t>STYLE/MODLE#</a:t>
-            </a:r>
-          </a:p>
-        </p:txBody>
-      </p:sp>
+            <a:endParaRPr lang="en-IN"/>
+          </a:p>
+        </p:txBody>
+      </p:sp>
+      <p:pic>
+        <p:nvPicPr>
+          <p:cNvPr id="15" name="Picture 14">
+            <a:extLst>
+              <a:ext uri="{FF2B5EF4-FFF2-40B4-BE49-F238E27FC236}">
+                <a16:creationId xmlns:a16="http://schemas.microsoft.com/office/drawing/2014/main" id="{C61939C3-A669-24EC-7CCC-B8C857ED9375}"/>
+              </a:ext>
+            </a:extLst>
+          </p:cNvPr>
+          <p:cNvPicPr>
+            <a:picLocks noChangeAspect="1"/>
+          </p:cNvPicPr>
+          <p:nvPr/>
+        </p:nvPicPr>
+        <p:blipFill>
+          <a:blip r:embed="rId2"/>
+          <a:stretch>
+            <a:fillRect/>
+          </a:stretch>
+        </p:blipFill>
+        <p:spPr>
+          <a:xfrm>
+            <a:off x="3037430" y="2164325"/>
+            <a:ext cx="8260693" cy="2391955"/>
+          </a:xfrm>
+          <a:prstGeom prst="rect">
+            <a:avLst/>
+          </a:prstGeom>
+        </p:spPr>
+      </p:pic>
+      <p:pic>
+        <p:nvPicPr>
+          <p:cNvPr id="16" name="Picture 15" descr="A close up of a logo&#10;&#10;AI-generated content may be incorrect.">
+            <a:extLst>
+              <a:ext uri="{FF2B5EF4-FFF2-40B4-BE49-F238E27FC236}">
+                <a16:creationId xmlns:a16="http://schemas.microsoft.com/office/drawing/2014/main" id="{5D779476-0659-E0F9-DB1C-F1A0650C2C1C}"/>
+              </a:ext>
+            </a:extLst>
+          </p:cNvPr>
+          <p:cNvPicPr>
+            <a:picLocks noChangeAspect="1"/>
+          </p:cNvPicPr>
+          <p:nvPr/>
+        </p:nvPicPr>
+        <p:blipFill>
+          <a:blip r:embed="rId3">
+            <a:extLst>
+              <a:ext uri="{28A0092B-C50C-407E-A947-70E740481C1C}">
+                <a14:useLocalDpi xmlns:a14="http://schemas.microsoft.com/office/drawing/2010/main" val="0"/>
+              </a:ext>
+            </a:extLst>
+          </a:blip>
+          <a:stretch>
+            <a:fillRect/>
+          </a:stretch>
+        </p:blipFill>
+        <p:spPr>
+          <a:xfrm>
+            <a:off x="764347" y="567222"/>
+            <a:ext cx="2893253" cy="415701"/>
+          </a:xfrm>
+          <a:prstGeom prst="rect">
+            <a:avLst/>
+          </a:prstGeom>
+        </p:spPr>
+      </p:pic>
     </p:spTree>
     <p:extLst>
       <p:ext uri="{BB962C8B-B14F-4D97-AF65-F5344CB8AC3E}">

--- a/design ex..pptx
+++ b/design ex..pptx
@@ -5,13 +5,14 @@
     <p:sldMasterId id="2147483648" r:id="rId1"/>
   </p:sldMasterIdLst>
   <p:notesMasterIdLst>
-    <p:notesMasterId r:id="rId6"/>
+    <p:notesMasterId r:id="rId7"/>
   </p:notesMasterIdLst>
   <p:sldIdLst>
     <p:sldId id="256" r:id="rId2"/>
     <p:sldId id="257" r:id="rId3"/>
     <p:sldId id="258" r:id="rId4"/>
     <p:sldId id="259" r:id="rId5"/>
+    <p:sldId id="260" r:id="rId6"/>
   </p:sldIdLst>
   <p:sldSz cx="12192000" cy="6858000"/>
   <p:notesSz cx="6858000" cy="9144000"/>
@@ -200,7 +201,7 @@
           <a:p>
             <a:fld id="{64B69E7C-F0AA-4D71-B4A9-299C9FEFC470}" type="datetimeFigureOut">
               <a:rPr lang="en-IN" smtClean="0"/>
-              <a:t>27-10-2025</a:t>
+              <a:t>28-10-2025</a:t>
             </a:fld>
             <a:endParaRPr lang="en-IN"/>
           </a:p>
@@ -701,7 +702,7 @@
           <a:p>
             <a:fld id="{C21CC959-5C50-46C4-8019-6673AAF2576F}" type="datetimeFigureOut">
               <a:rPr lang="en-IN" smtClean="0"/>
-              <a:t>27-10-2025</a:t>
+              <a:t>28-10-2025</a:t>
             </a:fld>
             <a:endParaRPr lang="en-IN"/>
           </a:p>
@@ -901,7 +902,7 @@
           <a:p>
             <a:fld id="{C21CC959-5C50-46C4-8019-6673AAF2576F}" type="datetimeFigureOut">
               <a:rPr lang="en-IN" smtClean="0"/>
-              <a:t>27-10-2025</a:t>
+              <a:t>28-10-2025</a:t>
             </a:fld>
             <a:endParaRPr lang="en-IN"/>
           </a:p>
@@ -1111,7 +1112,7 @@
           <a:p>
             <a:fld id="{C21CC959-5C50-46C4-8019-6673AAF2576F}" type="datetimeFigureOut">
               <a:rPr lang="en-IN" smtClean="0"/>
-              <a:t>27-10-2025</a:t>
+              <a:t>28-10-2025</a:t>
             </a:fld>
             <a:endParaRPr lang="en-IN"/>
           </a:p>
@@ -1311,7 +1312,7 @@
           <a:p>
             <a:fld id="{C21CC959-5C50-46C4-8019-6673AAF2576F}" type="datetimeFigureOut">
               <a:rPr lang="en-IN" smtClean="0"/>
-              <a:t>27-10-2025</a:t>
+              <a:t>28-10-2025</a:t>
             </a:fld>
             <a:endParaRPr lang="en-IN"/>
           </a:p>
@@ -1587,7 +1588,7 @@
           <a:p>
             <a:fld id="{C21CC959-5C50-46C4-8019-6673AAF2576F}" type="datetimeFigureOut">
               <a:rPr lang="en-IN" smtClean="0"/>
-              <a:t>27-10-2025</a:t>
+              <a:t>28-10-2025</a:t>
             </a:fld>
             <a:endParaRPr lang="en-IN"/>
           </a:p>
@@ -1855,7 +1856,7 @@
           <a:p>
             <a:fld id="{C21CC959-5C50-46C4-8019-6673AAF2576F}" type="datetimeFigureOut">
               <a:rPr lang="en-IN" smtClean="0"/>
-              <a:t>27-10-2025</a:t>
+              <a:t>28-10-2025</a:t>
             </a:fld>
             <a:endParaRPr lang="en-IN"/>
           </a:p>
@@ -2270,7 +2271,7 @@
           <a:p>
             <a:fld id="{C21CC959-5C50-46C4-8019-6673AAF2576F}" type="datetimeFigureOut">
               <a:rPr lang="en-IN" smtClean="0"/>
-              <a:t>27-10-2025</a:t>
+              <a:t>28-10-2025</a:t>
             </a:fld>
             <a:endParaRPr lang="en-IN"/>
           </a:p>
@@ -2412,7 +2413,7 @@
           <a:p>
             <a:fld id="{C21CC959-5C50-46C4-8019-6673AAF2576F}" type="datetimeFigureOut">
               <a:rPr lang="en-IN" smtClean="0"/>
-              <a:t>27-10-2025</a:t>
+              <a:t>28-10-2025</a:t>
             </a:fld>
             <a:endParaRPr lang="en-IN"/>
           </a:p>
@@ -2525,7 +2526,7 @@
           <a:p>
             <a:fld id="{C21CC959-5C50-46C4-8019-6673AAF2576F}" type="datetimeFigureOut">
               <a:rPr lang="en-IN" smtClean="0"/>
-              <a:t>27-10-2025</a:t>
+              <a:t>28-10-2025</a:t>
             </a:fld>
             <a:endParaRPr lang="en-IN"/>
           </a:p>
@@ -2838,7 +2839,7 @@
           <a:p>
             <a:fld id="{C21CC959-5C50-46C4-8019-6673AAF2576F}" type="datetimeFigureOut">
               <a:rPr lang="en-IN" smtClean="0"/>
-              <a:t>27-10-2025</a:t>
+              <a:t>28-10-2025</a:t>
             </a:fld>
             <a:endParaRPr lang="en-IN"/>
           </a:p>
@@ -3127,7 +3128,7 @@
           <a:p>
             <a:fld id="{C21CC959-5C50-46C4-8019-6673AAF2576F}" type="datetimeFigureOut">
               <a:rPr lang="en-IN" smtClean="0"/>
-              <a:t>27-10-2025</a:t>
+              <a:t>28-10-2025</a:t>
             </a:fld>
             <a:endParaRPr lang="en-IN"/>
           </a:p>
@@ -3370,7 +3371,7 @@
           <a:p>
             <a:fld id="{C21CC959-5C50-46C4-8019-6673AAF2576F}" type="datetimeFigureOut">
               <a:rPr lang="en-IN" smtClean="0"/>
-              <a:t>27-10-2025</a:t>
+              <a:t>28-10-2025</a:t>
             </a:fld>
             <a:endParaRPr lang="en-IN"/>
           </a:p>
@@ -5665,8 +5666,8 @@
         </p:nvSpPr>
         <p:spPr>
           <a:xfrm>
-            <a:off x="457937" y="1432806"/>
-            <a:ext cx="2226269" cy="4574704"/>
+            <a:off x="2493891" y="498495"/>
+            <a:ext cx="7204218" cy="731519"/>
           </a:xfrm>
           <a:prstGeom prst="roundRect">
             <a:avLst/>
@@ -5997,7 +5998,7 @@
         </p:nvSpPr>
         <p:spPr>
           <a:xfrm>
-            <a:off x="599768" y="2020527"/>
+            <a:off x="2609052" y="615988"/>
             <a:ext cx="1836541" cy="496531"/>
           </a:xfrm>
           <a:prstGeom prst="roundRect">
@@ -6063,7 +6064,7 @@
         </p:nvSpPr>
         <p:spPr>
           <a:xfrm>
-            <a:off x="2153265" y="2164325"/>
+            <a:off x="4181168" y="759786"/>
             <a:ext cx="205432" cy="208933"/>
           </a:xfrm>
           <a:prstGeom prst="flowChartMerge">
@@ -6109,7 +6110,7 @@
         </p:nvSpPr>
         <p:spPr>
           <a:xfrm>
-            <a:off x="599768" y="3223997"/>
+            <a:off x="5099438" y="611068"/>
             <a:ext cx="1836541" cy="496531"/>
           </a:xfrm>
           <a:prstGeom prst="roundRect">
@@ -6175,7 +6176,7 @@
         </p:nvSpPr>
         <p:spPr>
           <a:xfrm>
-            <a:off x="2153265" y="3367795"/>
+            <a:off x="6640277" y="759786"/>
             <a:ext cx="205432" cy="208933"/>
           </a:xfrm>
           <a:prstGeom prst="flowChartMerge">
@@ -6221,7 +6222,7 @@
         </p:nvSpPr>
         <p:spPr>
           <a:xfrm>
-            <a:off x="599768" y="4465564"/>
+            <a:off x="7433864" y="611068"/>
             <a:ext cx="1836541" cy="496531"/>
           </a:xfrm>
           <a:prstGeom prst="roundRect">
@@ -6287,7 +6288,7 @@
         </p:nvSpPr>
         <p:spPr>
           <a:xfrm>
-            <a:off x="2153265" y="4609362"/>
+            <a:off x="8987361" y="754866"/>
             <a:ext cx="205432" cy="208933"/>
           </a:xfrm>
           <a:prstGeom prst="flowChartMerge">
@@ -6341,44 +6342,8 @@
         </p:blipFill>
         <p:spPr>
           <a:xfrm>
-            <a:off x="3037430" y="2164325"/>
-            <a:ext cx="8260693" cy="2391955"/>
-          </a:xfrm>
-          <a:prstGeom prst="rect">
-            <a:avLst/>
-          </a:prstGeom>
-        </p:spPr>
-      </p:pic>
-      <p:pic>
-        <p:nvPicPr>
-          <p:cNvPr id="16" name="Picture 15" descr="A close up of a logo&#10;&#10;AI-generated content may be incorrect.">
-            <a:extLst>
-              <a:ext uri="{FF2B5EF4-FFF2-40B4-BE49-F238E27FC236}">
-                <a16:creationId xmlns:a16="http://schemas.microsoft.com/office/drawing/2014/main" id="{5D779476-0659-E0F9-DB1C-F1A0650C2C1C}"/>
-              </a:ext>
-            </a:extLst>
-          </p:cNvPr>
-          <p:cNvPicPr>
-            <a:picLocks noChangeAspect="1"/>
-          </p:cNvPicPr>
-          <p:nvPr/>
-        </p:nvPicPr>
-        <p:blipFill>
-          <a:blip r:embed="rId3">
-            <a:extLst>
-              <a:ext uri="{28A0092B-C50C-407E-A947-70E740481C1C}">
-                <a14:useLocalDpi xmlns:a14="http://schemas.microsoft.com/office/drawing/2010/main" val="0"/>
-              </a:ext>
-            </a:extLst>
-          </a:blip>
-          <a:stretch>
-            <a:fillRect/>
-          </a:stretch>
-        </p:blipFill>
-        <p:spPr>
-          <a:xfrm>
-            <a:off x="764347" y="567222"/>
-            <a:ext cx="2893253" cy="415701"/>
+            <a:off x="452284" y="2164325"/>
+            <a:ext cx="11065421" cy="3204088"/>
           </a:xfrm>
           <a:prstGeom prst="rect">
             <a:avLst/>
@@ -6389,6 +6354,36 @@
     <p:extLst>
       <p:ext uri="{BB962C8B-B14F-4D97-AF65-F5344CB8AC3E}">
         <p14:creationId xmlns:p14="http://schemas.microsoft.com/office/powerpoint/2010/main" val="1589142585"/>
+      </p:ext>
+    </p:extLst>
+  </p:cSld>
+  <p:clrMapOvr>
+    <a:masterClrMapping/>
+  </p:clrMapOvr>
+</p:sld>
+</file>
+
+<file path=ppt/slides/slide5.xml><?xml version="1.0" encoding="utf-8"?>
+<p:sld xmlns:a="http://schemas.openxmlformats.org/drawingml/2006/main" xmlns:r="http://schemas.openxmlformats.org/officeDocument/2006/relationships" xmlns:p="http://schemas.openxmlformats.org/presentationml/2006/main">
+  <p:cSld>
+    <p:spTree>
+      <p:nvGrpSpPr>
+        <p:cNvPr id="1" name=""/>
+        <p:cNvGrpSpPr/>
+        <p:nvPr/>
+      </p:nvGrpSpPr>
+      <p:grpSpPr>
+        <a:xfrm>
+          <a:off x="0" y="0"/>
+          <a:ext cx="0" cy="0"/>
+          <a:chOff x="0" y="0"/>
+          <a:chExt cx="0" cy="0"/>
+        </a:xfrm>
+      </p:grpSpPr>
+    </p:spTree>
+    <p:extLst>
+      <p:ext uri="{BB962C8B-B14F-4D97-AF65-F5344CB8AC3E}">
+        <p14:creationId xmlns:p14="http://schemas.microsoft.com/office/powerpoint/2010/main" val="3856632679"/>
       </p:ext>
     </p:extLst>
   </p:cSld>

--- a/design ex..pptx
+++ b/design ex..pptx
@@ -12,7 +12,7 @@
     <p:sldId id="257" r:id="rId3"/>
     <p:sldId id="258" r:id="rId4"/>
     <p:sldId id="259" r:id="rId5"/>
-    <p:sldId id="260" r:id="rId6"/>
+    <p:sldId id="261" r:id="rId6"/>
   </p:sldIdLst>
   <p:sldSz cx="12192000" cy="6858000"/>
   <p:notesSz cx="6858000" cy="9144000"/>
@@ -6368,7 +6368,13 @@
   <p:cSld>
     <p:spTree>
       <p:nvGrpSpPr>
-        <p:cNvPr id="1" name=""/>
+        <p:cNvPr id="1" name="">
+          <a:extLst>
+            <a:ext uri="{FF2B5EF4-FFF2-40B4-BE49-F238E27FC236}">
+              <a16:creationId xmlns:a16="http://schemas.microsoft.com/office/drawing/2014/main" id="{C95DA6A6-663B-14EC-0984-137100A7FCED}"/>
+            </a:ext>
+          </a:extLst>
+        </p:cNvPr>
         <p:cNvGrpSpPr/>
         <p:nvPr/>
       </p:nvGrpSpPr>
@@ -6380,10 +6386,76 @@
           <a:chExt cx="0" cy="0"/>
         </a:xfrm>
       </p:grpSpPr>
+      <p:sp>
+        <p:nvSpPr>
+          <p:cNvPr id="8" name="Rectangle: Rounded Corners 7">
+            <a:extLst>
+              <a:ext uri="{FF2B5EF4-FFF2-40B4-BE49-F238E27FC236}">
+                <a16:creationId xmlns:a16="http://schemas.microsoft.com/office/drawing/2014/main" id="{D64F4388-D1D1-F384-FBE3-D16ACD178CC7}"/>
+              </a:ext>
+            </a:extLst>
+          </p:cNvPr>
+          <p:cNvSpPr/>
+          <p:nvPr/>
+        </p:nvSpPr>
+        <p:spPr>
+          <a:xfrm>
+            <a:off x="917903" y="1107601"/>
+            <a:ext cx="1836541" cy="496531"/>
+          </a:xfrm>
+          <a:prstGeom prst="roundRect">
+            <a:avLst/>
+          </a:prstGeom>
+          <a:noFill/>
+          <a:ln>
+            <a:solidFill>
+              <a:schemeClr val="bg1">
+                <a:lumMod val="85000"/>
+              </a:schemeClr>
+            </a:solidFill>
+          </a:ln>
+        </p:spPr>
+        <p:style>
+          <a:lnRef idx="2">
+            <a:schemeClr val="accent1">
+              <a:shade val="15000"/>
+            </a:schemeClr>
+          </a:lnRef>
+          <a:fillRef idx="1">
+            <a:schemeClr val="accent1"/>
+          </a:fillRef>
+          <a:effectRef idx="0">
+            <a:schemeClr val="accent1"/>
+          </a:effectRef>
+          <a:fontRef idx="minor">
+            <a:schemeClr val="lt1"/>
+          </a:fontRef>
+        </p:style>
+        <p:txBody>
+          <a:bodyPr rtlCol="0" anchor="ctr"/>
+          <a:lstStyle/>
+          <a:p>
+            <a:pPr algn="ctr"/>
+            <a:r>
+              <a:rPr lang="en-US" b="1">
+                <a:solidFill>
+                  <a:schemeClr val="tx1"/>
+                </a:solidFill>
+              </a:rPr>
+              <a:t>Models/     </a:t>
+            </a:r>
+            <a:endParaRPr lang="en-IN" b="1" dirty="0">
+              <a:solidFill>
+                <a:schemeClr val="tx1"/>
+              </a:solidFill>
+            </a:endParaRPr>
+          </a:p>
+        </p:txBody>
+      </p:sp>
     </p:spTree>
     <p:extLst>
       <p:ext uri="{BB962C8B-B14F-4D97-AF65-F5344CB8AC3E}">
-        <p14:creationId xmlns:p14="http://schemas.microsoft.com/office/powerpoint/2010/main" val="3856632679"/>
+        <p14:creationId xmlns:p14="http://schemas.microsoft.com/office/powerpoint/2010/main" val="3514281254"/>
       </p:ext>
     </p:extLst>
   </p:cSld>
